--- a/presentations/prezentacja.pptx
+++ b/presentations/prezentacja.pptx
@@ -4,15 +4,19 @@
   <p:sldMasterIdLst>
     <p:sldMasterId id="2147483690" r:id="rId1"/>
   </p:sldMasterIdLst>
+  <p:notesMasterIdLst>
+    <p:notesMasterId r:id="rId11"/>
+  </p:notesMasterIdLst>
   <p:sldIdLst>
     <p:sldId id="256" r:id="rId2"/>
-    <p:sldId id="257" r:id="rId3"/>
-    <p:sldId id="258" r:id="rId4"/>
-    <p:sldId id="259" r:id="rId5"/>
-    <p:sldId id="260" r:id="rId6"/>
-    <p:sldId id="261" r:id="rId7"/>
-    <p:sldId id="262" r:id="rId8"/>
-    <p:sldId id="263" r:id="rId9"/>
+    <p:sldId id="260" r:id="rId3"/>
+    <p:sldId id="261" r:id="rId4"/>
+    <p:sldId id="264" r:id="rId5"/>
+    <p:sldId id="262" r:id="rId6"/>
+    <p:sldId id="257" r:id="rId7"/>
+    <p:sldId id="258" r:id="rId8"/>
+    <p:sldId id="259" r:id="rId9"/>
+    <p:sldId id="263" r:id="rId10"/>
   </p:sldIdLst>
   <p:sldSz cx="12192000" cy="6858000"/>
   <p:notesSz cx="6858000" cy="9144000"/>
@@ -119,6 +123,2480 @@
 </p:presentation>
 </file>
 
+<file path=ppt/notesMasters/notesMaster1.xml><?xml version="1.0" encoding="utf-8"?>
+<p:notesMaster xmlns:a="http://schemas.openxmlformats.org/drawingml/2006/main" xmlns:r="http://schemas.openxmlformats.org/officeDocument/2006/relationships" xmlns:p="http://schemas.openxmlformats.org/presentationml/2006/main">
+  <p:cSld>
+    <p:bg>
+      <p:bgRef idx="1001">
+        <a:schemeClr val="bg1"/>
+      </p:bgRef>
+    </p:bg>
+    <p:spTree>
+      <p:nvGrpSpPr>
+        <p:cNvPr id="1" name=""/>
+        <p:cNvGrpSpPr/>
+        <p:nvPr/>
+      </p:nvGrpSpPr>
+      <p:grpSpPr>
+        <a:xfrm>
+          <a:off x="0" y="0"/>
+          <a:ext cx="0" cy="0"/>
+          <a:chOff x="0" y="0"/>
+          <a:chExt cx="0" cy="0"/>
+        </a:xfrm>
+      </p:grpSpPr>
+      <p:sp>
+        <p:nvSpPr>
+          <p:cNvPr id="2" name="Symbol zastępczy nagłówka 1"/>
+          <p:cNvSpPr>
+            <a:spLocks noGrp="1"/>
+          </p:cNvSpPr>
+          <p:nvPr>
+            <p:ph type="hdr" sz="quarter"/>
+          </p:nvPr>
+        </p:nvSpPr>
+        <p:spPr>
+          <a:xfrm>
+            <a:off x="0" y="0"/>
+            <a:ext cx="2971800" cy="458788"/>
+          </a:xfrm>
+          <a:prstGeom prst="rect">
+            <a:avLst/>
+          </a:prstGeom>
+        </p:spPr>
+        <p:txBody>
+          <a:bodyPr vert="horz" lIns="91440" tIns="45720" rIns="91440" bIns="45720" rtlCol="0"/>
+          <a:lstStyle>
+            <a:lvl1pPr algn="l">
+              <a:defRPr sz="1200"/>
+            </a:lvl1pPr>
+          </a:lstStyle>
+          <a:p>
+            <a:endParaRPr lang="pl-PL"/>
+          </a:p>
+        </p:txBody>
+      </p:sp>
+      <p:sp>
+        <p:nvSpPr>
+          <p:cNvPr id="3" name="Symbol zastępczy daty 2"/>
+          <p:cNvSpPr>
+            <a:spLocks noGrp="1"/>
+          </p:cNvSpPr>
+          <p:nvPr>
+            <p:ph type="dt" idx="1"/>
+          </p:nvPr>
+        </p:nvSpPr>
+        <p:spPr>
+          <a:xfrm>
+            <a:off x="3884613" y="0"/>
+            <a:ext cx="2971800" cy="458788"/>
+          </a:xfrm>
+          <a:prstGeom prst="rect">
+            <a:avLst/>
+          </a:prstGeom>
+        </p:spPr>
+        <p:txBody>
+          <a:bodyPr vert="horz" lIns="91440" tIns="45720" rIns="91440" bIns="45720" rtlCol="0"/>
+          <a:lstStyle>
+            <a:lvl1pPr algn="r">
+              <a:defRPr sz="1200"/>
+            </a:lvl1pPr>
+          </a:lstStyle>
+          <a:p>
+            <a:fld id="{94576BF7-2C4A-4F9E-8B54-74258E5ACF7D}" type="datetimeFigureOut">
+              <a:rPr lang="pl-PL" smtClean="0"/>
+              <a:t>2018-03-23</a:t>
+            </a:fld>
+            <a:endParaRPr lang="pl-PL"/>
+          </a:p>
+        </p:txBody>
+      </p:sp>
+      <p:sp>
+        <p:nvSpPr>
+          <p:cNvPr id="4" name="Symbol zastępczy obrazu slajdu 3"/>
+          <p:cNvSpPr>
+            <a:spLocks noGrp="1" noRot="1" noChangeAspect="1"/>
+          </p:cNvSpPr>
+          <p:nvPr>
+            <p:ph type="sldImg" idx="2"/>
+          </p:nvPr>
+        </p:nvSpPr>
+        <p:spPr>
+          <a:xfrm>
+            <a:off x="685800" y="1143000"/>
+            <a:ext cx="5486400" cy="3086100"/>
+          </a:xfrm>
+          <a:prstGeom prst="rect">
+            <a:avLst/>
+          </a:prstGeom>
+          <a:noFill/>
+          <a:ln w="12700">
+            <a:solidFill>
+              <a:prstClr val="black"/>
+            </a:solidFill>
+          </a:ln>
+        </p:spPr>
+        <p:txBody>
+          <a:bodyPr vert="horz" lIns="91440" tIns="45720" rIns="91440" bIns="45720" rtlCol="0" anchor="ctr"/>
+          <a:lstStyle/>
+          <a:p>
+            <a:endParaRPr lang="pl-PL"/>
+          </a:p>
+        </p:txBody>
+      </p:sp>
+      <p:sp>
+        <p:nvSpPr>
+          <p:cNvPr id="5" name="Symbol zastępczy notatek 4"/>
+          <p:cNvSpPr>
+            <a:spLocks noGrp="1"/>
+          </p:cNvSpPr>
+          <p:nvPr>
+            <p:ph type="body" sz="quarter" idx="3"/>
+          </p:nvPr>
+        </p:nvSpPr>
+        <p:spPr>
+          <a:xfrm>
+            <a:off x="685800" y="4400550"/>
+            <a:ext cx="5486400" cy="3600450"/>
+          </a:xfrm>
+          <a:prstGeom prst="rect">
+            <a:avLst/>
+          </a:prstGeom>
+        </p:spPr>
+        <p:txBody>
+          <a:bodyPr vert="horz" lIns="91440" tIns="45720" rIns="91440" bIns="45720" rtlCol="0"/>
+          <a:lstStyle/>
+          <a:p>
+            <a:pPr lvl="0"/>
+            <a:r>
+              <a:rPr lang="pl-PL"/>
+              <a:t>Edytuj style wzorca tekstu</a:t>
+            </a:r>
+          </a:p>
+          <a:p>
+            <a:pPr lvl="1"/>
+            <a:r>
+              <a:rPr lang="pl-PL"/>
+              <a:t>Drugi poziom</a:t>
+            </a:r>
+          </a:p>
+          <a:p>
+            <a:pPr lvl="2"/>
+            <a:r>
+              <a:rPr lang="pl-PL"/>
+              <a:t>Trzeci poziom</a:t>
+            </a:r>
+          </a:p>
+          <a:p>
+            <a:pPr lvl="3"/>
+            <a:r>
+              <a:rPr lang="pl-PL"/>
+              <a:t>Czwarty poziom</a:t>
+            </a:r>
+          </a:p>
+          <a:p>
+            <a:pPr lvl="4"/>
+            <a:r>
+              <a:rPr lang="pl-PL"/>
+              <a:t>Piąty poziom</a:t>
+            </a:r>
+          </a:p>
+        </p:txBody>
+      </p:sp>
+      <p:sp>
+        <p:nvSpPr>
+          <p:cNvPr id="6" name="Symbol zastępczy stopki 5"/>
+          <p:cNvSpPr>
+            <a:spLocks noGrp="1"/>
+          </p:cNvSpPr>
+          <p:nvPr>
+            <p:ph type="ftr" sz="quarter" idx="4"/>
+          </p:nvPr>
+        </p:nvSpPr>
+        <p:spPr>
+          <a:xfrm>
+            <a:off x="0" y="8685213"/>
+            <a:ext cx="2971800" cy="458787"/>
+          </a:xfrm>
+          <a:prstGeom prst="rect">
+            <a:avLst/>
+          </a:prstGeom>
+        </p:spPr>
+        <p:txBody>
+          <a:bodyPr vert="horz" lIns="91440" tIns="45720" rIns="91440" bIns="45720" rtlCol="0" anchor="b"/>
+          <a:lstStyle>
+            <a:lvl1pPr algn="l">
+              <a:defRPr sz="1200"/>
+            </a:lvl1pPr>
+          </a:lstStyle>
+          <a:p>
+            <a:endParaRPr lang="pl-PL"/>
+          </a:p>
+        </p:txBody>
+      </p:sp>
+      <p:sp>
+        <p:nvSpPr>
+          <p:cNvPr id="7" name="Symbol zastępczy numeru slajdu 6"/>
+          <p:cNvSpPr>
+            <a:spLocks noGrp="1"/>
+          </p:cNvSpPr>
+          <p:nvPr>
+            <p:ph type="sldNum" sz="quarter" idx="5"/>
+          </p:nvPr>
+        </p:nvSpPr>
+        <p:spPr>
+          <a:xfrm>
+            <a:off x="3884613" y="8685213"/>
+            <a:ext cx="2971800" cy="458787"/>
+          </a:xfrm>
+          <a:prstGeom prst="rect">
+            <a:avLst/>
+          </a:prstGeom>
+        </p:spPr>
+        <p:txBody>
+          <a:bodyPr vert="horz" lIns="91440" tIns="45720" rIns="91440" bIns="45720" rtlCol="0" anchor="b"/>
+          <a:lstStyle>
+            <a:lvl1pPr algn="r">
+              <a:defRPr sz="1200"/>
+            </a:lvl1pPr>
+          </a:lstStyle>
+          <a:p>
+            <a:fld id="{2CD82D44-0239-4328-99B4-E4A409A970ED}" type="slidenum">
+              <a:rPr lang="pl-PL" smtClean="0"/>
+              <a:t>‹#›</a:t>
+            </a:fld>
+            <a:endParaRPr lang="pl-PL"/>
+          </a:p>
+        </p:txBody>
+      </p:sp>
+    </p:spTree>
+    <p:extLst>
+      <p:ext uri="{BB962C8B-B14F-4D97-AF65-F5344CB8AC3E}">
+        <p14:creationId xmlns:p14="http://schemas.microsoft.com/office/powerpoint/2010/main" val="2988008267"/>
+      </p:ext>
+    </p:extLst>
+  </p:cSld>
+  <p:clrMap bg1="lt1" tx1="dk1" bg2="lt2" tx2="dk2" accent1="accent1" accent2="accent2" accent3="accent3" accent4="accent4" accent5="accent5" accent6="accent6" hlink="hlink" folHlink="folHlink"/>
+  <p:notesStyle>
+    <a:lvl1pPr marL="0" algn="l" defTabSz="914400" rtl="0" eaLnBrk="1" latinLnBrk="0" hangingPunct="1">
+      <a:defRPr sz="1200" kern="1200">
+        <a:solidFill>
+          <a:schemeClr val="tx1"/>
+        </a:solidFill>
+        <a:latin typeface="+mn-lt"/>
+        <a:ea typeface="+mn-ea"/>
+        <a:cs typeface="+mn-cs"/>
+      </a:defRPr>
+    </a:lvl1pPr>
+    <a:lvl2pPr marL="457200" algn="l" defTabSz="914400" rtl="0" eaLnBrk="1" latinLnBrk="0" hangingPunct="1">
+      <a:defRPr sz="1200" kern="1200">
+        <a:solidFill>
+          <a:schemeClr val="tx1"/>
+        </a:solidFill>
+        <a:latin typeface="+mn-lt"/>
+        <a:ea typeface="+mn-ea"/>
+        <a:cs typeface="+mn-cs"/>
+      </a:defRPr>
+    </a:lvl2pPr>
+    <a:lvl3pPr marL="914400" algn="l" defTabSz="914400" rtl="0" eaLnBrk="1" latinLnBrk="0" hangingPunct="1">
+      <a:defRPr sz="1200" kern="1200">
+        <a:solidFill>
+          <a:schemeClr val="tx1"/>
+        </a:solidFill>
+        <a:latin typeface="+mn-lt"/>
+        <a:ea typeface="+mn-ea"/>
+        <a:cs typeface="+mn-cs"/>
+      </a:defRPr>
+    </a:lvl3pPr>
+    <a:lvl4pPr marL="1371600" algn="l" defTabSz="914400" rtl="0" eaLnBrk="1" latinLnBrk="0" hangingPunct="1">
+      <a:defRPr sz="1200" kern="1200">
+        <a:solidFill>
+          <a:schemeClr val="tx1"/>
+        </a:solidFill>
+        <a:latin typeface="+mn-lt"/>
+        <a:ea typeface="+mn-ea"/>
+        <a:cs typeface="+mn-cs"/>
+      </a:defRPr>
+    </a:lvl4pPr>
+    <a:lvl5pPr marL="1828800" algn="l" defTabSz="914400" rtl="0" eaLnBrk="1" latinLnBrk="0" hangingPunct="1">
+      <a:defRPr sz="1200" kern="1200">
+        <a:solidFill>
+          <a:schemeClr val="tx1"/>
+        </a:solidFill>
+        <a:latin typeface="+mn-lt"/>
+        <a:ea typeface="+mn-ea"/>
+        <a:cs typeface="+mn-cs"/>
+      </a:defRPr>
+    </a:lvl5pPr>
+    <a:lvl6pPr marL="2286000" algn="l" defTabSz="914400" rtl="0" eaLnBrk="1" latinLnBrk="0" hangingPunct="1">
+      <a:defRPr sz="1200" kern="1200">
+        <a:solidFill>
+          <a:schemeClr val="tx1"/>
+        </a:solidFill>
+        <a:latin typeface="+mn-lt"/>
+        <a:ea typeface="+mn-ea"/>
+        <a:cs typeface="+mn-cs"/>
+      </a:defRPr>
+    </a:lvl6pPr>
+    <a:lvl7pPr marL="2743200" algn="l" defTabSz="914400" rtl="0" eaLnBrk="1" latinLnBrk="0" hangingPunct="1">
+      <a:defRPr sz="1200" kern="1200">
+        <a:solidFill>
+          <a:schemeClr val="tx1"/>
+        </a:solidFill>
+        <a:latin typeface="+mn-lt"/>
+        <a:ea typeface="+mn-ea"/>
+        <a:cs typeface="+mn-cs"/>
+      </a:defRPr>
+    </a:lvl7pPr>
+    <a:lvl8pPr marL="3200400" algn="l" defTabSz="914400" rtl="0" eaLnBrk="1" latinLnBrk="0" hangingPunct="1">
+      <a:defRPr sz="1200" kern="1200">
+        <a:solidFill>
+          <a:schemeClr val="tx1"/>
+        </a:solidFill>
+        <a:latin typeface="+mn-lt"/>
+        <a:ea typeface="+mn-ea"/>
+        <a:cs typeface="+mn-cs"/>
+      </a:defRPr>
+    </a:lvl8pPr>
+    <a:lvl9pPr marL="3657600" algn="l" defTabSz="914400" rtl="0" eaLnBrk="1" latinLnBrk="0" hangingPunct="1">
+      <a:defRPr sz="1200" kern="1200">
+        <a:solidFill>
+          <a:schemeClr val="tx1"/>
+        </a:solidFill>
+        <a:latin typeface="+mn-lt"/>
+        <a:ea typeface="+mn-ea"/>
+        <a:cs typeface="+mn-cs"/>
+      </a:defRPr>
+    </a:lvl9pPr>
+  </p:notesStyle>
+</p:notesMaster>
+</file>
+
+<file path=ppt/notesSlides/notesSlide1.xml><?xml version="1.0" encoding="utf-8"?>
+<p:notes xmlns:a="http://schemas.openxmlformats.org/drawingml/2006/main" xmlns:r="http://schemas.openxmlformats.org/officeDocument/2006/relationships" xmlns:p="http://schemas.openxmlformats.org/presentationml/2006/main">
+  <p:cSld>
+    <p:spTree>
+      <p:nvGrpSpPr>
+        <p:cNvPr id="1" name=""/>
+        <p:cNvGrpSpPr/>
+        <p:nvPr/>
+      </p:nvGrpSpPr>
+      <p:grpSpPr>
+        <a:xfrm>
+          <a:off x="0" y="0"/>
+          <a:ext cx="0" cy="0"/>
+          <a:chOff x="0" y="0"/>
+          <a:chExt cx="0" cy="0"/>
+        </a:xfrm>
+      </p:grpSpPr>
+      <p:sp>
+        <p:nvSpPr>
+          <p:cNvPr id="2" name="Symbol zastępczy obrazu slajdu 1"/>
+          <p:cNvSpPr>
+            <a:spLocks noGrp="1" noRot="1" noChangeAspect="1"/>
+          </p:cNvSpPr>
+          <p:nvPr>
+            <p:ph type="sldImg"/>
+          </p:nvPr>
+        </p:nvSpPr>
+        <p:spPr/>
+      </p:sp>
+      <p:sp>
+        <p:nvSpPr>
+          <p:cNvPr id="3" name="Symbol zastępczy notatek 2"/>
+          <p:cNvSpPr>
+            <a:spLocks noGrp="1"/>
+          </p:cNvSpPr>
+          <p:nvPr>
+            <p:ph type="body" idx="1"/>
+          </p:nvPr>
+        </p:nvSpPr>
+        <p:spPr/>
+        <p:txBody>
+          <a:bodyPr/>
+          <a:lstStyle/>
+          <a:p>
+            <a:pPr marL="0" marR="0" lvl="0" indent="0" algn="l" defTabSz="914400" rtl="0" eaLnBrk="1" fontAlgn="auto" latinLnBrk="0" hangingPunct="1">
+              <a:lnSpc>
+                <a:spcPct val="100000"/>
+              </a:lnSpc>
+              <a:spcBef>
+                <a:spcPts val="0"/>
+              </a:spcBef>
+              <a:spcAft>
+                <a:spcPts val="0"/>
+              </a:spcAft>
+              <a:buClrTx/>
+              <a:buSzTx/>
+              <a:buFontTx/>
+              <a:buNone/>
+              <a:tabLst/>
+              <a:defRPr/>
+            </a:pPr>
+            <a:r>
+              <a:rPr lang="pl-PL" sz="1200" kern="1200" dirty="0">
+                <a:solidFill>
+                  <a:schemeClr val="tx1"/>
+                </a:solidFill>
+                <a:effectLst/>
+                <a:latin typeface="+mn-lt"/>
+                <a:ea typeface="+mn-ea"/>
+                <a:cs typeface="+mn-cs"/>
+              </a:rPr>
+              <a:t>Jest to </a:t>
+            </a:r>
+            <a:r>
+              <a:rPr lang="pl-PL" sz="1200" kern="1200" dirty="0" err="1">
+                <a:solidFill>
+                  <a:schemeClr val="tx1"/>
+                </a:solidFill>
+                <a:effectLst/>
+                <a:latin typeface="+mn-lt"/>
+                <a:ea typeface="+mn-ea"/>
+                <a:cs typeface="+mn-cs"/>
+              </a:rPr>
+              <a:t>javascriptowy</a:t>
+            </a:r>
+            <a:r>
+              <a:rPr lang="pl-PL" sz="1200" kern="1200" dirty="0">
+                <a:solidFill>
+                  <a:schemeClr val="tx1"/>
+                </a:solidFill>
+                <a:effectLst/>
+                <a:latin typeface="+mn-lt"/>
+                <a:ea typeface="+mn-ea"/>
+                <a:cs typeface="+mn-cs"/>
+              </a:rPr>
+              <a:t> progresywny </a:t>
+            </a:r>
+            <a:r>
+              <a:rPr lang="pl-PL" sz="1200" kern="1200" dirty="0" err="1">
+                <a:solidFill>
+                  <a:schemeClr val="tx1"/>
+                </a:solidFill>
+                <a:effectLst/>
+                <a:latin typeface="+mn-lt"/>
+                <a:ea typeface="+mn-ea"/>
+                <a:cs typeface="+mn-cs"/>
+              </a:rPr>
+              <a:t>framework</a:t>
+            </a:r>
+            <a:r>
+              <a:rPr lang="pl-PL" sz="1200" kern="1200" dirty="0">
+                <a:solidFill>
+                  <a:schemeClr val="tx1"/>
+                </a:solidFill>
+                <a:effectLst/>
+                <a:latin typeface="+mn-lt"/>
+                <a:ea typeface="+mn-ea"/>
+                <a:cs typeface="+mn-cs"/>
+              </a:rPr>
+              <a:t> </a:t>
+            </a:r>
+            <a:r>
+              <a:rPr lang="pl-PL" sz="1200" kern="1200" dirty="0" err="1">
+                <a:solidFill>
+                  <a:schemeClr val="tx1"/>
+                </a:solidFill>
+                <a:effectLst/>
+                <a:latin typeface="+mn-lt"/>
+                <a:ea typeface="+mn-ea"/>
+                <a:cs typeface="+mn-cs"/>
+              </a:rPr>
+              <a:t>frontendowy</a:t>
+            </a:r>
+            <a:r>
+              <a:rPr lang="pl-PL" sz="1200" kern="1200" dirty="0">
+                <a:solidFill>
+                  <a:schemeClr val="tx1"/>
+                </a:solidFill>
+                <a:effectLst/>
+                <a:latin typeface="+mn-lt"/>
+                <a:ea typeface="+mn-ea"/>
+                <a:cs typeface="+mn-cs"/>
+              </a:rPr>
+              <a:t>. Wybraliśmy go bo jest lekki. Napisał go były programista </a:t>
+            </a:r>
+            <a:r>
+              <a:rPr lang="pl-PL" sz="1200" kern="1200" dirty="0" err="1">
+                <a:solidFill>
+                  <a:schemeClr val="tx1"/>
+                </a:solidFill>
+                <a:effectLst/>
+                <a:latin typeface="+mn-lt"/>
+                <a:ea typeface="+mn-ea"/>
+                <a:cs typeface="+mn-cs"/>
+              </a:rPr>
+              <a:t>googla</a:t>
+            </a:r>
+            <a:r>
+              <a:rPr lang="pl-PL" sz="1200" kern="1200" dirty="0">
+                <a:solidFill>
+                  <a:schemeClr val="tx1"/>
+                </a:solidFill>
+                <a:effectLst/>
+                <a:latin typeface="+mn-lt"/>
+                <a:ea typeface="+mn-ea"/>
+                <a:cs typeface="+mn-cs"/>
+              </a:rPr>
+              <a:t> pracujący wcześniej z </a:t>
+            </a:r>
+            <a:r>
+              <a:rPr lang="pl-PL" sz="1200" kern="1200" dirty="0" err="1">
+                <a:solidFill>
+                  <a:schemeClr val="tx1"/>
+                </a:solidFill>
+                <a:effectLst/>
+                <a:latin typeface="+mn-lt"/>
+                <a:ea typeface="+mn-ea"/>
+                <a:cs typeface="+mn-cs"/>
+              </a:rPr>
+              <a:t>angularem</a:t>
+            </a:r>
+            <a:r>
+              <a:rPr lang="pl-PL" sz="1200" kern="1200" dirty="0">
+                <a:solidFill>
+                  <a:schemeClr val="tx1"/>
+                </a:solidFill>
+                <a:effectLst/>
+                <a:latin typeface="+mn-lt"/>
+                <a:ea typeface="+mn-ea"/>
+                <a:cs typeface="+mn-cs"/>
+              </a:rPr>
+              <a:t>. Jest to pewna alternatywa dla </a:t>
+            </a:r>
+            <a:r>
+              <a:rPr lang="pl-PL" sz="1200" kern="1200" dirty="0" err="1">
+                <a:solidFill>
+                  <a:schemeClr val="tx1"/>
+                </a:solidFill>
+                <a:effectLst/>
+                <a:latin typeface="+mn-lt"/>
+                <a:ea typeface="+mn-ea"/>
+                <a:cs typeface="+mn-cs"/>
+              </a:rPr>
+              <a:t>angulara</a:t>
+            </a:r>
+            <a:r>
+              <a:rPr lang="pl-PL" sz="1200" kern="1200" dirty="0">
+                <a:solidFill>
+                  <a:schemeClr val="tx1"/>
+                </a:solidFill>
+                <a:effectLst/>
+                <a:latin typeface="+mn-lt"/>
+                <a:ea typeface="+mn-ea"/>
+                <a:cs typeface="+mn-cs"/>
+              </a:rPr>
+              <a:t> gdy </a:t>
+            </a:r>
+            <a:r>
+              <a:rPr lang="pl-PL" sz="1200" kern="1200" dirty="0" err="1">
+                <a:solidFill>
+                  <a:schemeClr val="tx1"/>
+                </a:solidFill>
+                <a:effectLst/>
+                <a:latin typeface="+mn-lt"/>
+                <a:ea typeface="+mn-ea"/>
+                <a:cs typeface="+mn-cs"/>
+              </a:rPr>
+              <a:t>framewok</a:t>
+            </a:r>
+            <a:r>
+              <a:rPr lang="pl-PL" sz="1200" kern="1200" dirty="0">
+                <a:solidFill>
+                  <a:schemeClr val="tx1"/>
+                </a:solidFill>
+                <a:effectLst/>
+                <a:latin typeface="+mn-lt"/>
+                <a:ea typeface="+mn-ea"/>
+                <a:cs typeface="+mn-cs"/>
+              </a:rPr>
+              <a:t> jest nam głównie potrzebny do budowania </a:t>
+            </a:r>
+            <a:r>
+              <a:rPr lang="pl-PL" sz="1200" kern="1200" dirty="0" err="1">
+                <a:solidFill>
+                  <a:schemeClr val="tx1"/>
+                </a:solidFill>
+                <a:effectLst/>
+                <a:latin typeface="+mn-lt"/>
+                <a:ea typeface="+mn-ea"/>
+                <a:cs typeface="+mn-cs"/>
+              </a:rPr>
+              <a:t>frontendowej</a:t>
+            </a:r>
+            <a:r>
+              <a:rPr lang="pl-PL" sz="1200" kern="1200" dirty="0">
+                <a:solidFill>
+                  <a:schemeClr val="tx1"/>
+                </a:solidFill>
+                <a:effectLst/>
+                <a:latin typeface="+mn-lt"/>
+                <a:ea typeface="+mn-ea"/>
+                <a:cs typeface="+mn-cs"/>
+              </a:rPr>
+              <a:t> strony. Wykorzystując Vue.js możemy stronę podzielić na komponenty, </a:t>
+            </a:r>
+            <a:r>
+              <a:rPr lang="pl-PL" sz="1200" kern="1200" dirty="0" err="1">
+                <a:solidFill>
+                  <a:schemeClr val="tx1"/>
+                </a:solidFill>
+                <a:effectLst/>
+                <a:latin typeface="+mn-lt"/>
+                <a:ea typeface="+mn-ea"/>
+                <a:cs typeface="+mn-cs"/>
+              </a:rPr>
+              <a:t>bedace</a:t>
+            </a:r>
+            <a:r>
+              <a:rPr lang="pl-PL" sz="1200" kern="1200" dirty="0">
+                <a:solidFill>
+                  <a:schemeClr val="tx1"/>
+                </a:solidFill>
+                <a:effectLst/>
+                <a:latin typeface="+mn-lt"/>
+                <a:ea typeface="+mn-ea"/>
+                <a:cs typeface="+mn-cs"/>
+              </a:rPr>
+              <a:t> instancjami Vue, które zawierają w jednym pliku skrypty JavaScript zawierające dane i ich logikę i HTML razem ze specjalnymi znacznikami wprowadzonymi prze Vue, które pozwalają </a:t>
+            </a:r>
+            <a:r>
+              <a:rPr lang="pl-PL" sz="1200" kern="1200" dirty="0" err="1">
+                <a:solidFill>
+                  <a:schemeClr val="tx1"/>
+                </a:solidFill>
+                <a:effectLst/>
+                <a:latin typeface="+mn-lt"/>
+                <a:ea typeface="+mn-ea"/>
+                <a:cs typeface="+mn-cs"/>
+              </a:rPr>
+              <a:t>renderować</a:t>
+            </a:r>
+            <a:r>
+              <a:rPr lang="pl-PL" sz="1200" kern="1200" dirty="0">
+                <a:solidFill>
+                  <a:schemeClr val="tx1"/>
+                </a:solidFill>
+                <a:effectLst/>
+                <a:latin typeface="+mn-lt"/>
+                <a:ea typeface="+mn-ea"/>
+                <a:cs typeface="+mn-cs"/>
+              </a:rPr>
+              <a:t> dostarczone dane do elementów DOM. </a:t>
+            </a:r>
+          </a:p>
+          <a:p>
+            <a:endParaRPr lang="pl-PL" dirty="0"/>
+          </a:p>
+        </p:txBody>
+      </p:sp>
+      <p:sp>
+        <p:nvSpPr>
+          <p:cNvPr id="4" name="Symbol zastępczy numeru slajdu 3"/>
+          <p:cNvSpPr>
+            <a:spLocks noGrp="1"/>
+          </p:cNvSpPr>
+          <p:nvPr>
+            <p:ph type="sldNum" sz="quarter" idx="10"/>
+          </p:nvPr>
+        </p:nvSpPr>
+        <p:spPr/>
+        <p:txBody>
+          <a:bodyPr/>
+          <a:lstStyle/>
+          <a:p>
+            <a:fld id="{2CD82D44-0239-4328-99B4-E4A409A970ED}" type="slidenum">
+              <a:rPr lang="pl-PL" smtClean="0"/>
+              <a:t>2</a:t>
+            </a:fld>
+            <a:endParaRPr lang="pl-PL"/>
+          </a:p>
+        </p:txBody>
+      </p:sp>
+    </p:spTree>
+    <p:extLst>
+      <p:ext uri="{BB962C8B-B14F-4D97-AF65-F5344CB8AC3E}">
+        <p14:creationId xmlns:p14="http://schemas.microsoft.com/office/powerpoint/2010/main" val="3128220046"/>
+      </p:ext>
+    </p:extLst>
+  </p:cSld>
+  <p:clrMapOvr>
+    <a:masterClrMapping/>
+  </p:clrMapOvr>
+</p:notes>
+</file>
+
+<file path=ppt/notesSlides/notesSlide2.xml><?xml version="1.0" encoding="utf-8"?>
+<p:notes xmlns:a="http://schemas.openxmlformats.org/drawingml/2006/main" xmlns:r="http://schemas.openxmlformats.org/officeDocument/2006/relationships" xmlns:p="http://schemas.openxmlformats.org/presentationml/2006/main">
+  <p:cSld>
+    <p:spTree>
+      <p:nvGrpSpPr>
+        <p:cNvPr id="1" name=""/>
+        <p:cNvGrpSpPr/>
+        <p:nvPr/>
+      </p:nvGrpSpPr>
+      <p:grpSpPr>
+        <a:xfrm>
+          <a:off x="0" y="0"/>
+          <a:ext cx="0" cy="0"/>
+          <a:chOff x="0" y="0"/>
+          <a:chExt cx="0" cy="0"/>
+        </a:xfrm>
+      </p:grpSpPr>
+      <p:sp>
+        <p:nvSpPr>
+          <p:cNvPr id="2" name="Symbol zastępczy obrazu slajdu 1"/>
+          <p:cNvSpPr>
+            <a:spLocks noGrp="1" noRot="1" noChangeAspect="1"/>
+          </p:cNvSpPr>
+          <p:nvPr>
+            <p:ph type="sldImg"/>
+          </p:nvPr>
+        </p:nvSpPr>
+        <p:spPr/>
+      </p:sp>
+      <p:sp>
+        <p:nvSpPr>
+          <p:cNvPr id="3" name="Symbol zastępczy notatek 2"/>
+          <p:cNvSpPr>
+            <a:spLocks noGrp="1"/>
+          </p:cNvSpPr>
+          <p:nvPr>
+            <p:ph type="body" idx="1"/>
+          </p:nvPr>
+        </p:nvSpPr>
+        <p:spPr/>
+        <p:txBody>
+          <a:bodyPr/>
+          <a:lstStyle/>
+          <a:p>
+            <a:r>
+              <a:rPr lang="pl-PL" sz="1200" kern="1200" dirty="0">
+                <a:solidFill>
+                  <a:schemeClr val="tx1"/>
+                </a:solidFill>
+                <a:effectLst/>
+                <a:latin typeface="+mn-lt"/>
+                <a:ea typeface="+mn-ea"/>
+                <a:cs typeface="+mn-cs"/>
+              </a:rPr>
+              <a:t>System komponentów pozwala w prosty sposób zastosować Vue.js w istniejących projektach, lub w połączeniu z innymi </a:t>
+            </a:r>
+            <a:r>
+              <a:rPr lang="pl-PL" sz="1200" kern="1200" dirty="0" err="1">
+                <a:solidFill>
+                  <a:schemeClr val="tx1"/>
+                </a:solidFill>
+                <a:effectLst/>
+                <a:latin typeface="+mn-lt"/>
+                <a:ea typeface="+mn-ea"/>
+                <a:cs typeface="+mn-cs"/>
+              </a:rPr>
+              <a:t>frameworkami</a:t>
+            </a:r>
+            <a:r>
+              <a:rPr lang="pl-PL" sz="1200" kern="1200" dirty="0">
+                <a:solidFill>
+                  <a:schemeClr val="tx1"/>
+                </a:solidFill>
+                <a:effectLst/>
+                <a:latin typeface="+mn-lt"/>
+                <a:ea typeface="+mn-ea"/>
+                <a:cs typeface="+mn-cs"/>
+              </a:rPr>
+              <a:t>.</a:t>
+            </a:r>
+          </a:p>
+          <a:p>
+            <a:r>
+              <a:rPr lang="pl-PL" sz="1200" kern="1200" dirty="0">
+                <a:solidFill>
+                  <a:schemeClr val="tx1"/>
+                </a:solidFill>
+                <a:effectLst/>
+                <a:latin typeface="+mn-lt"/>
+                <a:ea typeface="+mn-ea"/>
+                <a:cs typeface="+mn-cs"/>
+              </a:rPr>
+              <a:t>Zaletą </a:t>
+            </a:r>
+            <a:r>
+              <a:rPr lang="pl-PL" sz="1200" kern="1200" dirty="0" err="1">
+                <a:solidFill>
+                  <a:schemeClr val="tx1"/>
+                </a:solidFill>
+                <a:effectLst/>
+                <a:latin typeface="+mn-lt"/>
+                <a:ea typeface="+mn-ea"/>
+                <a:cs typeface="+mn-cs"/>
+              </a:rPr>
+              <a:t>framework</a:t>
+            </a:r>
+            <a:r>
+              <a:rPr lang="pl-PL" sz="1200" kern="1200" dirty="0">
+                <a:solidFill>
+                  <a:schemeClr val="tx1"/>
+                </a:solidFill>
+                <a:effectLst/>
+                <a:latin typeface="+mn-lt"/>
+                <a:ea typeface="+mn-ea"/>
+                <a:cs typeface="+mn-cs"/>
+              </a:rPr>
+              <a:t> jest dobra dokumentacja w formie strony internetowej w języku angielskim. Zawiera dużo przykładów i jest napisana z użyciem vue co w pewnych sytuacjach pozwala nam przetestować pewne funkcjonalności modyfikując obiekty Vue w konsoli </a:t>
+            </a:r>
+            <a:r>
+              <a:rPr lang="pl-PL" sz="1200" kern="1200" dirty="0" err="1">
+                <a:solidFill>
+                  <a:schemeClr val="tx1"/>
+                </a:solidFill>
+                <a:effectLst/>
+                <a:latin typeface="+mn-lt"/>
+                <a:ea typeface="+mn-ea"/>
+                <a:cs typeface="+mn-cs"/>
+              </a:rPr>
+              <a:t>javascriptowej</a:t>
+            </a:r>
+            <a:r>
+              <a:rPr lang="pl-PL" sz="1200" kern="1200" dirty="0">
+                <a:solidFill>
+                  <a:schemeClr val="tx1"/>
+                </a:solidFill>
+                <a:effectLst/>
+                <a:latin typeface="+mn-lt"/>
+                <a:ea typeface="+mn-ea"/>
+                <a:cs typeface="+mn-cs"/>
+              </a:rPr>
+              <a:t>.</a:t>
+            </a:r>
+          </a:p>
+          <a:p>
+            <a:r>
+              <a:rPr lang="pl-PL" sz="1200" kern="1200" dirty="0">
+                <a:solidFill>
+                  <a:schemeClr val="tx1"/>
+                </a:solidFill>
+                <a:effectLst/>
+                <a:latin typeface="+mn-lt"/>
+                <a:ea typeface="+mn-ea"/>
+                <a:cs typeface="+mn-cs"/>
+              </a:rPr>
+              <a:t> Zmiana danych obiektów zdefiniowanych w </a:t>
+            </a:r>
+            <a:r>
+              <a:rPr lang="pl-PL" sz="1200" kern="1200" dirty="0" err="1">
+                <a:solidFill>
+                  <a:schemeClr val="tx1"/>
+                </a:solidFill>
+                <a:effectLst/>
+                <a:latin typeface="+mn-lt"/>
+                <a:ea typeface="+mn-ea"/>
+                <a:cs typeface="+mn-cs"/>
+              </a:rPr>
+              <a:t>javascriptowej</a:t>
+            </a:r>
+            <a:r>
+              <a:rPr lang="pl-PL" sz="1200" kern="1200" dirty="0">
+                <a:solidFill>
+                  <a:schemeClr val="tx1"/>
+                </a:solidFill>
+                <a:effectLst/>
+                <a:latin typeface="+mn-lt"/>
+                <a:ea typeface="+mn-ea"/>
+                <a:cs typeface="+mn-cs"/>
+              </a:rPr>
+              <a:t> części komponentu znajduje swoje odzwierciedlenie w wygenerowanym komponencie natychmiast. To pozwala nam na modyfikacje zawartości strony bez jej przeładowywania. </a:t>
+            </a:r>
+          </a:p>
+          <a:p>
+            <a:r>
+              <a:rPr lang="pl-PL" sz="1200" kern="1200" dirty="0">
+                <a:solidFill>
+                  <a:schemeClr val="tx1"/>
+                </a:solidFill>
+                <a:effectLst/>
+                <a:latin typeface="+mn-lt"/>
+                <a:ea typeface="+mn-ea"/>
+                <a:cs typeface="+mn-cs"/>
+              </a:rPr>
+              <a:t>Vue pozwala na rozbudowę o dodatkowe biblioteki w efekcie czego może również być obecny w </a:t>
+            </a:r>
+            <a:r>
+              <a:rPr lang="pl-PL" sz="1200" kern="1200" dirty="0" err="1">
+                <a:solidFill>
+                  <a:schemeClr val="tx1"/>
+                </a:solidFill>
+                <a:effectLst/>
+                <a:latin typeface="+mn-lt"/>
+                <a:ea typeface="+mn-ea"/>
+                <a:cs typeface="+mn-cs"/>
+              </a:rPr>
+              <a:t>backendowej</a:t>
+            </a:r>
+            <a:r>
+              <a:rPr lang="pl-PL" sz="1200" kern="1200" dirty="0">
+                <a:solidFill>
+                  <a:schemeClr val="tx1"/>
+                </a:solidFill>
+                <a:effectLst/>
+                <a:latin typeface="+mn-lt"/>
+                <a:ea typeface="+mn-ea"/>
+                <a:cs typeface="+mn-cs"/>
+              </a:rPr>
+              <a:t> części projektu. </a:t>
+            </a:r>
+          </a:p>
+          <a:p>
+            <a:endParaRPr lang="pl-PL" dirty="0"/>
+          </a:p>
+        </p:txBody>
+      </p:sp>
+      <p:sp>
+        <p:nvSpPr>
+          <p:cNvPr id="4" name="Symbol zastępczy numeru slajdu 3"/>
+          <p:cNvSpPr>
+            <a:spLocks noGrp="1"/>
+          </p:cNvSpPr>
+          <p:nvPr>
+            <p:ph type="sldNum" sz="quarter" idx="10"/>
+          </p:nvPr>
+        </p:nvSpPr>
+        <p:spPr/>
+        <p:txBody>
+          <a:bodyPr/>
+          <a:lstStyle/>
+          <a:p>
+            <a:fld id="{2CD82D44-0239-4328-99B4-E4A409A970ED}" type="slidenum">
+              <a:rPr lang="pl-PL" smtClean="0"/>
+              <a:t>3</a:t>
+            </a:fld>
+            <a:endParaRPr lang="pl-PL"/>
+          </a:p>
+        </p:txBody>
+      </p:sp>
+    </p:spTree>
+    <p:extLst>
+      <p:ext uri="{BB962C8B-B14F-4D97-AF65-F5344CB8AC3E}">
+        <p14:creationId xmlns:p14="http://schemas.microsoft.com/office/powerpoint/2010/main" val="539532210"/>
+      </p:ext>
+    </p:extLst>
+  </p:cSld>
+  <p:clrMapOvr>
+    <a:masterClrMapping/>
+  </p:clrMapOvr>
+</p:notes>
+</file>
+
+<file path=ppt/notesSlides/notesSlide3.xml><?xml version="1.0" encoding="utf-8"?>
+<p:notes xmlns:a="http://schemas.openxmlformats.org/drawingml/2006/main" xmlns:r="http://schemas.openxmlformats.org/officeDocument/2006/relationships" xmlns:p="http://schemas.openxmlformats.org/presentationml/2006/main">
+  <p:cSld>
+    <p:spTree>
+      <p:nvGrpSpPr>
+        <p:cNvPr id="1" name=""/>
+        <p:cNvGrpSpPr/>
+        <p:nvPr/>
+      </p:nvGrpSpPr>
+      <p:grpSpPr>
+        <a:xfrm>
+          <a:off x="0" y="0"/>
+          <a:ext cx="0" cy="0"/>
+          <a:chOff x="0" y="0"/>
+          <a:chExt cx="0" cy="0"/>
+        </a:xfrm>
+      </p:grpSpPr>
+      <p:sp>
+        <p:nvSpPr>
+          <p:cNvPr id="2" name="Symbol zastępczy obrazu slajdu 1"/>
+          <p:cNvSpPr>
+            <a:spLocks noGrp="1" noRot="1" noChangeAspect="1"/>
+          </p:cNvSpPr>
+          <p:nvPr>
+            <p:ph type="sldImg"/>
+          </p:nvPr>
+        </p:nvSpPr>
+        <p:spPr/>
+      </p:sp>
+      <p:sp>
+        <p:nvSpPr>
+          <p:cNvPr id="3" name="Symbol zastępczy notatek 2"/>
+          <p:cNvSpPr>
+            <a:spLocks noGrp="1"/>
+          </p:cNvSpPr>
+          <p:nvPr>
+            <p:ph type="body" idx="1"/>
+          </p:nvPr>
+        </p:nvSpPr>
+        <p:spPr/>
+        <p:txBody>
+          <a:bodyPr/>
+          <a:lstStyle/>
+          <a:p>
+            <a:pPr marL="0" marR="0" lvl="0" indent="0" algn="l" defTabSz="914400" rtl="0" eaLnBrk="1" fontAlgn="auto" latinLnBrk="0" hangingPunct="1">
+              <a:lnSpc>
+                <a:spcPct val="100000"/>
+              </a:lnSpc>
+              <a:spcBef>
+                <a:spcPts val="0"/>
+              </a:spcBef>
+              <a:spcAft>
+                <a:spcPts val="0"/>
+              </a:spcAft>
+              <a:buClrTx/>
+              <a:buSzTx/>
+              <a:buFontTx/>
+              <a:buNone/>
+              <a:tabLst/>
+              <a:defRPr/>
+            </a:pPr>
+            <a:r>
+              <a:rPr lang="pl-PL" sz="1200" kern="1200" dirty="0">
+                <a:solidFill>
+                  <a:schemeClr val="tx1"/>
+                </a:solidFill>
+                <a:effectLst/>
+                <a:latin typeface="+mn-lt"/>
+                <a:ea typeface="+mn-ea"/>
+                <a:cs typeface="+mn-cs"/>
+              </a:rPr>
+              <a:t>Wśród wad można wymienić stosunkowo mała społeczność, często nieanglojęzyczną co może powodować problemy w przypadku, gdy szukamy informacji potrzebnych przy bardziej zaawansowanych problemach. Framework nie jest tak popularny jak </a:t>
+            </a:r>
+            <a:r>
+              <a:rPr lang="pl-PL" sz="1200" kern="1200" dirty="0" err="1">
+                <a:solidFill>
+                  <a:schemeClr val="tx1"/>
+                </a:solidFill>
+                <a:effectLst/>
+                <a:latin typeface="+mn-lt"/>
+                <a:ea typeface="+mn-ea"/>
+                <a:cs typeface="+mn-cs"/>
+              </a:rPr>
+              <a:t>Angular</a:t>
+            </a:r>
+            <a:r>
+              <a:rPr lang="pl-PL" sz="1200" kern="1200" dirty="0">
+                <a:solidFill>
+                  <a:schemeClr val="tx1"/>
+                </a:solidFill>
+                <a:effectLst/>
+                <a:latin typeface="+mn-lt"/>
+                <a:ea typeface="+mn-ea"/>
+                <a:cs typeface="+mn-cs"/>
+              </a:rPr>
+              <a:t> albo </a:t>
+            </a:r>
+            <a:r>
+              <a:rPr lang="pl-PL" sz="1200" kern="1200" dirty="0" err="1">
+                <a:solidFill>
+                  <a:schemeClr val="tx1"/>
+                </a:solidFill>
+                <a:effectLst/>
+                <a:latin typeface="+mn-lt"/>
+                <a:ea typeface="+mn-ea"/>
+                <a:cs typeface="+mn-cs"/>
+              </a:rPr>
+              <a:t>React</a:t>
+            </a:r>
+            <a:r>
+              <a:rPr lang="pl-PL" sz="1200" kern="1200" dirty="0">
+                <a:solidFill>
+                  <a:schemeClr val="tx1"/>
+                </a:solidFill>
+                <a:effectLst/>
+                <a:latin typeface="+mn-lt"/>
+                <a:ea typeface="+mn-ea"/>
+                <a:cs typeface="+mn-cs"/>
+              </a:rPr>
+              <a:t> co może powodować trudność w przypadku bardzie zaawansowanych zastosowań.</a:t>
+            </a:r>
+          </a:p>
+          <a:p>
+            <a:endParaRPr lang="pl-PL" dirty="0"/>
+          </a:p>
+        </p:txBody>
+      </p:sp>
+      <p:sp>
+        <p:nvSpPr>
+          <p:cNvPr id="4" name="Symbol zastępczy numeru slajdu 3"/>
+          <p:cNvSpPr>
+            <a:spLocks noGrp="1"/>
+          </p:cNvSpPr>
+          <p:nvPr>
+            <p:ph type="sldNum" sz="quarter" idx="10"/>
+          </p:nvPr>
+        </p:nvSpPr>
+        <p:spPr/>
+        <p:txBody>
+          <a:bodyPr/>
+          <a:lstStyle/>
+          <a:p>
+            <a:fld id="{2CD82D44-0239-4328-99B4-E4A409A970ED}" type="slidenum">
+              <a:rPr lang="pl-PL" smtClean="0"/>
+              <a:t>5</a:t>
+            </a:fld>
+            <a:endParaRPr lang="pl-PL"/>
+          </a:p>
+        </p:txBody>
+      </p:sp>
+    </p:spTree>
+    <p:extLst>
+      <p:ext uri="{BB962C8B-B14F-4D97-AF65-F5344CB8AC3E}">
+        <p14:creationId xmlns:p14="http://schemas.microsoft.com/office/powerpoint/2010/main" val="3358911218"/>
+      </p:ext>
+    </p:extLst>
+  </p:cSld>
+  <p:clrMapOvr>
+    <a:masterClrMapping/>
+  </p:clrMapOvr>
+</p:notes>
+</file>
+
+<file path=ppt/notesSlides/notesSlide4.xml><?xml version="1.0" encoding="utf-8"?>
+<p:notes xmlns:a="http://schemas.openxmlformats.org/drawingml/2006/main" xmlns:r="http://schemas.openxmlformats.org/officeDocument/2006/relationships" xmlns:p="http://schemas.openxmlformats.org/presentationml/2006/main">
+  <p:cSld>
+    <p:spTree>
+      <p:nvGrpSpPr>
+        <p:cNvPr id="1" name=""/>
+        <p:cNvGrpSpPr/>
+        <p:nvPr/>
+      </p:nvGrpSpPr>
+      <p:grpSpPr>
+        <a:xfrm>
+          <a:off x="0" y="0"/>
+          <a:ext cx="0" cy="0"/>
+          <a:chOff x="0" y="0"/>
+          <a:chExt cx="0" cy="0"/>
+        </a:xfrm>
+      </p:grpSpPr>
+      <p:sp>
+        <p:nvSpPr>
+          <p:cNvPr id="2" name="Symbol zastępczy obrazu slajdu 1"/>
+          <p:cNvSpPr>
+            <a:spLocks noGrp="1" noRot="1" noChangeAspect="1"/>
+          </p:cNvSpPr>
+          <p:nvPr>
+            <p:ph type="sldImg"/>
+          </p:nvPr>
+        </p:nvSpPr>
+        <p:spPr/>
+      </p:sp>
+      <p:sp>
+        <p:nvSpPr>
+          <p:cNvPr id="3" name="Symbol zastępczy notatek 2"/>
+          <p:cNvSpPr>
+            <a:spLocks noGrp="1"/>
+          </p:cNvSpPr>
+          <p:nvPr>
+            <p:ph type="body" idx="1"/>
+          </p:nvPr>
+        </p:nvSpPr>
+        <p:spPr/>
+        <p:txBody>
+          <a:bodyPr/>
+          <a:lstStyle/>
+          <a:p>
+            <a:r>
+              <a:rPr lang="pl-PL" sz="1200" kern="1200" dirty="0">
+                <a:solidFill>
+                  <a:schemeClr val="tx1"/>
+                </a:solidFill>
+                <a:effectLst/>
+                <a:latin typeface="+mn-lt"/>
+                <a:ea typeface="+mn-ea"/>
+                <a:cs typeface="+mn-cs"/>
+              </a:rPr>
+              <a:t>Jest </a:t>
+            </a:r>
+            <a:r>
+              <a:rPr lang="pl-PL" sz="1200" kern="1200" dirty="0" err="1">
+                <a:solidFill>
+                  <a:schemeClr val="tx1"/>
+                </a:solidFill>
+                <a:effectLst/>
+                <a:latin typeface="+mn-lt"/>
+                <a:ea typeface="+mn-ea"/>
+                <a:cs typeface="+mn-cs"/>
+              </a:rPr>
+              <a:t>frameworkiem</a:t>
+            </a:r>
+            <a:r>
+              <a:rPr lang="pl-PL" sz="1200" kern="1200" dirty="0">
+                <a:solidFill>
+                  <a:schemeClr val="tx1"/>
+                </a:solidFill>
+                <a:effectLst/>
+                <a:latin typeface="+mn-lt"/>
+                <a:ea typeface="+mn-ea"/>
+                <a:cs typeface="+mn-cs"/>
+              </a:rPr>
+              <a:t> </a:t>
+            </a:r>
+            <a:r>
+              <a:rPr lang="pl-PL" sz="1200" kern="1200" dirty="0" err="1">
+                <a:solidFill>
+                  <a:schemeClr val="tx1"/>
+                </a:solidFill>
+                <a:effectLst/>
+                <a:latin typeface="+mn-lt"/>
+                <a:ea typeface="+mn-ea"/>
+                <a:cs typeface="+mn-cs"/>
+              </a:rPr>
+              <a:t>php</a:t>
+            </a:r>
+            <a:r>
+              <a:rPr lang="pl-PL" sz="1200" kern="1200" dirty="0">
+                <a:solidFill>
+                  <a:schemeClr val="tx1"/>
+                </a:solidFill>
+                <a:effectLst/>
+                <a:latin typeface="+mn-lt"/>
+                <a:ea typeface="+mn-ea"/>
+                <a:cs typeface="+mn-cs"/>
+              </a:rPr>
+              <a:t> przeznaczonym do tworzenia aplikacji zgodnych ze wzorcem </a:t>
+            </a:r>
+            <a:r>
+              <a:rPr lang="pl-PL" sz="1200" kern="1200" dirty="0" err="1">
+                <a:solidFill>
+                  <a:schemeClr val="tx1"/>
+                </a:solidFill>
+                <a:effectLst/>
+                <a:latin typeface="+mn-lt"/>
+                <a:ea typeface="+mn-ea"/>
+                <a:cs typeface="+mn-cs"/>
+              </a:rPr>
+              <a:t>mvc</a:t>
+            </a:r>
+            <a:endParaRPr lang="pl-PL" sz="1200" kern="1200" dirty="0">
+              <a:solidFill>
+                <a:schemeClr val="tx1"/>
+              </a:solidFill>
+              <a:effectLst/>
+              <a:latin typeface="+mn-lt"/>
+              <a:ea typeface="+mn-ea"/>
+              <a:cs typeface="+mn-cs"/>
+            </a:endParaRPr>
+          </a:p>
+          <a:p>
+            <a:r>
+              <a:rPr lang="pl-PL" sz="1200" kern="1200" dirty="0">
+                <a:solidFill>
+                  <a:schemeClr val="tx1"/>
+                </a:solidFill>
+                <a:effectLst/>
+                <a:latin typeface="+mn-lt"/>
+                <a:ea typeface="+mn-ea"/>
+                <a:cs typeface="+mn-cs"/>
+              </a:rPr>
+              <a:t>Wybraliśmy go gdyż </a:t>
+            </a:r>
+            <a:r>
+              <a:rPr lang="pl-PL" sz="1200" kern="1200" dirty="0" err="1">
+                <a:solidFill>
+                  <a:schemeClr val="tx1"/>
+                </a:solidFill>
+                <a:effectLst/>
+                <a:latin typeface="+mn-lt"/>
+                <a:ea typeface="+mn-ea"/>
+                <a:cs typeface="+mn-cs"/>
+              </a:rPr>
+              <a:t>php</a:t>
+            </a:r>
+            <a:r>
+              <a:rPr lang="pl-PL" sz="1200" kern="1200" dirty="0">
+                <a:solidFill>
+                  <a:schemeClr val="tx1"/>
+                </a:solidFill>
+                <a:effectLst/>
+                <a:latin typeface="+mn-lt"/>
+                <a:ea typeface="+mn-ea"/>
+                <a:cs typeface="+mn-cs"/>
+              </a:rPr>
+              <a:t> jest jednym z najpopularniejszych języków w aplikacjach webowych jest prosty do nauki i nie wymaga dużo kodu do zbudowania prostej aplikacji, a </a:t>
+            </a:r>
+            <a:r>
+              <a:rPr lang="pl-PL" sz="1200" kern="1200" dirty="0" err="1">
+                <a:solidFill>
+                  <a:schemeClr val="tx1"/>
+                </a:solidFill>
+                <a:effectLst/>
+                <a:latin typeface="+mn-lt"/>
+                <a:ea typeface="+mn-ea"/>
+                <a:cs typeface="+mn-cs"/>
+              </a:rPr>
+              <a:t>laravel</a:t>
+            </a:r>
+            <a:r>
+              <a:rPr lang="pl-PL" sz="1200" kern="1200" dirty="0">
+                <a:solidFill>
+                  <a:schemeClr val="tx1"/>
+                </a:solidFill>
+                <a:effectLst/>
+                <a:latin typeface="+mn-lt"/>
+                <a:ea typeface="+mn-ea"/>
+                <a:cs typeface="+mn-cs"/>
+              </a:rPr>
+              <a:t> to najpopularniejszy i najlepiej oceniany </a:t>
+            </a:r>
+            <a:r>
+              <a:rPr lang="pl-PL" sz="1200" kern="1200" dirty="0" err="1">
+                <a:solidFill>
+                  <a:schemeClr val="tx1"/>
+                </a:solidFill>
+                <a:effectLst/>
+                <a:latin typeface="+mn-lt"/>
+                <a:ea typeface="+mn-ea"/>
+                <a:cs typeface="+mn-cs"/>
+              </a:rPr>
+              <a:t>framework</a:t>
+            </a:r>
+            <a:r>
+              <a:rPr lang="pl-PL" sz="1200" kern="1200" dirty="0">
+                <a:solidFill>
+                  <a:schemeClr val="tx1"/>
+                </a:solidFill>
+                <a:effectLst/>
+                <a:latin typeface="+mn-lt"/>
+                <a:ea typeface="+mn-ea"/>
+                <a:cs typeface="+mn-cs"/>
+              </a:rPr>
+              <a:t> </a:t>
+            </a:r>
+            <a:r>
+              <a:rPr lang="pl-PL" sz="1200" kern="1200" dirty="0" err="1">
+                <a:solidFill>
+                  <a:schemeClr val="tx1"/>
+                </a:solidFill>
+                <a:effectLst/>
+                <a:latin typeface="+mn-lt"/>
+                <a:ea typeface="+mn-ea"/>
+                <a:cs typeface="+mn-cs"/>
+              </a:rPr>
+              <a:t>php</a:t>
+            </a:r>
+            <a:r>
+              <a:rPr lang="pl-PL" sz="1200" kern="1200" dirty="0">
+                <a:solidFill>
+                  <a:schemeClr val="tx1"/>
+                </a:solidFill>
+                <a:effectLst/>
+                <a:latin typeface="+mn-lt"/>
+                <a:ea typeface="+mn-ea"/>
+                <a:cs typeface="+mn-cs"/>
+              </a:rPr>
+              <a:t>.</a:t>
+            </a:r>
+          </a:p>
+        </p:txBody>
+      </p:sp>
+      <p:sp>
+        <p:nvSpPr>
+          <p:cNvPr id="4" name="Symbol zastępczy numeru slajdu 3"/>
+          <p:cNvSpPr>
+            <a:spLocks noGrp="1"/>
+          </p:cNvSpPr>
+          <p:nvPr>
+            <p:ph type="sldNum" sz="quarter" idx="10"/>
+          </p:nvPr>
+        </p:nvSpPr>
+        <p:spPr/>
+        <p:txBody>
+          <a:bodyPr/>
+          <a:lstStyle/>
+          <a:p>
+            <a:fld id="{2CD82D44-0239-4328-99B4-E4A409A970ED}" type="slidenum">
+              <a:rPr lang="pl-PL" smtClean="0"/>
+              <a:t>6</a:t>
+            </a:fld>
+            <a:endParaRPr lang="pl-PL"/>
+          </a:p>
+        </p:txBody>
+      </p:sp>
+    </p:spTree>
+    <p:extLst>
+      <p:ext uri="{BB962C8B-B14F-4D97-AF65-F5344CB8AC3E}">
+        <p14:creationId xmlns:p14="http://schemas.microsoft.com/office/powerpoint/2010/main" val="942956547"/>
+      </p:ext>
+    </p:extLst>
+  </p:cSld>
+  <p:clrMapOvr>
+    <a:masterClrMapping/>
+  </p:clrMapOvr>
+</p:notes>
+</file>
+
+<file path=ppt/notesSlides/notesSlide5.xml><?xml version="1.0" encoding="utf-8"?>
+<p:notes xmlns:a="http://schemas.openxmlformats.org/drawingml/2006/main" xmlns:r="http://schemas.openxmlformats.org/officeDocument/2006/relationships" xmlns:p="http://schemas.openxmlformats.org/presentationml/2006/main">
+  <p:cSld>
+    <p:spTree>
+      <p:nvGrpSpPr>
+        <p:cNvPr id="1" name=""/>
+        <p:cNvGrpSpPr/>
+        <p:nvPr/>
+      </p:nvGrpSpPr>
+      <p:grpSpPr>
+        <a:xfrm>
+          <a:off x="0" y="0"/>
+          <a:ext cx="0" cy="0"/>
+          <a:chOff x="0" y="0"/>
+          <a:chExt cx="0" cy="0"/>
+        </a:xfrm>
+      </p:grpSpPr>
+      <p:sp>
+        <p:nvSpPr>
+          <p:cNvPr id="2" name="Symbol zastępczy obrazu slajdu 1"/>
+          <p:cNvSpPr>
+            <a:spLocks noGrp="1" noRot="1" noChangeAspect="1"/>
+          </p:cNvSpPr>
+          <p:nvPr>
+            <p:ph type="sldImg"/>
+          </p:nvPr>
+        </p:nvSpPr>
+        <p:spPr/>
+      </p:sp>
+      <p:sp>
+        <p:nvSpPr>
+          <p:cNvPr id="3" name="Symbol zastępczy notatek 2"/>
+          <p:cNvSpPr>
+            <a:spLocks noGrp="1"/>
+          </p:cNvSpPr>
+          <p:nvPr>
+            <p:ph type="body" idx="1"/>
+          </p:nvPr>
+        </p:nvSpPr>
+        <p:spPr/>
+        <p:txBody>
+          <a:bodyPr/>
+          <a:lstStyle/>
+          <a:p>
+            <a:r>
+              <a:rPr lang="pl-PL" sz="1200" kern="1200" dirty="0" err="1">
+                <a:solidFill>
+                  <a:schemeClr val="tx1"/>
+                </a:solidFill>
+                <a:effectLst/>
+                <a:latin typeface="+mn-lt"/>
+                <a:ea typeface="+mn-ea"/>
+                <a:cs typeface="+mn-cs"/>
+              </a:rPr>
+              <a:t>Laravel</a:t>
+            </a:r>
+            <a:r>
+              <a:rPr lang="pl-PL" sz="1200" kern="1200" dirty="0">
+                <a:solidFill>
+                  <a:schemeClr val="tx1"/>
+                </a:solidFill>
+                <a:effectLst/>
+                <a:latin typeface="+mn-lt"/>
+                <a:ea typeface="+mn-ea"/>
+                <a:cs typeface="+mn-cs"/>
+              </a:rPr>
+              <a:t> tak jak Vue posiada dokumentacje w formie strony internetowej, choć trochę mniej przyjazną. Są w niej wytłumaczone same podstawy pozwalające na zbudowanie prostej aplikacji. Za to dostępna jest jej polska wersja niestety odnosi się do jednej ze starszych wersji. Do dyspozycji dostajemy również dedykowane forum i stronę </a:t>
+            </a:r>
+            <a:r>
+              <a:rPr lang="pl-PL" sz="1200" kern="1200" dirty="0" err="1">
+                <a:solidFill>
+                  <a:schemeClr val="tx1"/>
+                </a:solidFill>
+                <a:effectLst/>
+                <a:latin typeface="+mn-lt"/>
+                <a:ea typeface="+mn-ea"/>
+                <a:cs typeface="+mn-cs"/>
+              </a:rPr>
+              <a:t>laracast</a:t>
+            </a:r>
+            <a:r>
+              <a:rPr lang="pl-PL" sz="1200" kern="1200" dirty="0">
+                <a:solidFill>
+                  <a:schemeClr val="tx1"/>
+                </a:solidFill>
+                <a:effectLst/>
+                <a:latin typeface="+mn-lt"/>
+                <a:ea typeface="+mn-ea"/>
+                <a:cs typeface="+mn-cs"/>
+              </a:rPr>
+              <a:t> będąca platforma video z </a:t>
+            </a:r>
+            <a:r>
+              <a:rPr lang="pl-PL" sz="1200" kern="1200" dirty="0" err="1">
+                <a:solidFill>
+                  <a:schemeClr val="tx1"/>
+                </a:solidFill>
+                <a:effectLst/>
+                <a:latin typeface="+mn-lt"/>
+                <a:ea typeface="+mn-ea"/>
+                <a:cs typeface="+mn-cs"/>
+              </a:rPr>
+              <a:t>tutorialami</a:t>
+            </a:r>
+            <a:r>
+              <a:rPr lang="pl-PL" sz="1200" kern="1200" dirty="0">
+                <a:solidFill>
+                  <a:schemeClr val="tx1"/>
+                </a:solidFill>
+                <a:effectLst/>
+                <a:latin typeface="+mn-lt"/>
+                <a:ea typeface="+mn-ea"/>
+                <a:cs typeface="+mn-cs"/>
+              </a:rPr>
+              <a:t> dotyczącymi </a:t>
+            </a:r>
+            <a:r>
+              <a:rPr lang="pl-PL" sz="1200" kern="1200" dirty="0" err="1">
+                <a:solidFill>
+                  <a:schemeClr val="tx1"/>
+                </a:solidFill>
+                <a:effectLst/>
+                <a:latin typeface="+mn-lt"/>
+                <a:ea typeface="+mn-ea"/>
+                <a:cs typeface="+mn-cs"/>
+              </a:rPr>
+              <a:t>laravela</a:t>
+            </a:r>
+            <a:r>
+              <a:rPr lang="pl-PL" sz="1200" kern="1200" dirty="0">
+                <a:solidFill>
+                  <a:schemeClr val="tx1"/>
+                </a:solidFill>
+                <a:effectLst/>
+                <a:latin typeface="+mn-lt"/>
+                <a:ea typeface="+mn-ea"/>
+                <a:cs typeface="+mn-cs"/>
+              </a:rPr>
+              <a:t> i nie tylko (cześć z nich jest płatna).</a:t>
+            </a:r>
+          </a:p>
+          <a:p>
+            <a:r>
+              <a:rPr lang="pl-PL" sz="1200" kern="1200" dirty="0">
+                <a:solidFill>
+                  <a:schemeClr val="tx1"/>
+                </a:solidFill>
+                <a:effectLst/>
+                <a:latin typeface="+mn-lt"/>
+                <a:ea typeface="+mn-ea"/>
+                <a:cs typeface="+mn-cs"/>
+              </a:rPr>
+              <a:t>Sam </a:t>
+            </a:r>
+            <a:r>
+              <a:rPr lang="pl-PL" sz="1200" kern="1200" dirty="0" err="1">
+                <a:solidFill>
+                  <a:schemeClr val="tx1"/>
+                </a:solidFill>
+                <a:effectLst/>
+                <a:latin typeface="+mn-lt"/>
+                <a:ea typeface="+mn-ea"/>
+                <a:cs typeface="+mn-cs"/>
+              </a:rPr>
+              <a:t>framework</a:t>
+            </a:r>
+            <a:r>
+              <a:rPr lang="pl-PL" sz="1200" kern="1200" dirty="0">
+                <a:solidFill>
+                  <a:schemeClr val="tx1"/>
+                </a:solidFill>
+                <a:effectLst/>
+                <a:latin typeface="+mn-lt"/>
+                <a:ea typeface="+mn-ea"/>
+                <a:cs typeface="+mn-cs"/>
+              </a:rPr>
+              <a:t> ma jednak duże możliwości. Kolejną z jego zalet jest duża społeczność i łatwość w znajdowaniu rozwiązań na napotkane problemy. Wystarczy krótko opisać problem w  </a:t>
+            </a:r>
+            <a:r>
+              <a:rPr lang="pl-PL" sz="1200" kern="1200" dirty="0" err="1">
+                <a:solidFill>
+                  <a:schemeClr val="tx1"/>
+                </a:solidFill>
+                <a:effectLst/>
+                <a:latin typeface="+mn-lt"/>
+                <a:ea typeface="+mn-ea"/>
+                <a:cs typeface="+mn-cs"/>
+              </a:rPr>
+              <a:t>google</a:t>
+            </a:r>
+            <a:r>
+              <a:rPr lang="pl-PL" sz="1200" kern="1200" dirty="0">
+                <a:solidFill>
+                  <a:schemeClr val="tx1"/>
+                </a:solidFill>
+                <a:effectLst/>
+                <a:latin typeface="+mn-lt"/>
+                <a:ea typeface="+mn-ea"/>
+                <a:cs typeface="+mn-cs"/>
+              </a:rPr>
+              <a:t> i z reguły znajdujemy jego rozwiązanie w </a:t>
+            </a:r>
+            <a:r>
+              <a:rPr lang="pl-PL" sz="1200" kern="1200" dirty="0" err="1">
+                <a:solidFill>
+                  <a:schemeClr val="tx1"/>
+                </a:solidFill>
+                <a:effectLst/>
+                <a:latin typeface="+mn-lt"/>
+                <a:ea typeface="+mn-ea"/>
+                <a:cs typeface="+mn-cs"/>
+              </a:rPr>
+              <a:t>laraverze</a:t>
+            </a:r>
+            <a:r>
+              <a:rPr lang="pl-PL" sz="1200" kern="1200" dirty="0">
+                <a:solidFill>
+                  <a:schemeClr val="tx1"/>
+                </a:solidFill>
+                <a:effectLst/>
+                <a:latin typeface="+mn-lt"/>
+                <a:ea typeface="+mn-ea"/>
+                <a:cs typeface="+mn-cs"/>
+              </a:rPr>
+              <a:t>.</a:t>
+            </a:r>
+          </a:p>
+          <a:p>
+            <a:r>
+              <a:rPr lang="pl-PL" sz="1200" kern="1200" dirty="0" err="1">
+                <a:solidFill>
+                  <a:schemeClr val="tx1"/>
+                </a:solidFill>
+                <a:effectLst/>
+                <a:latin typeface="+mn-lt"/>
+                <a:ea typeface="+mn-ea"/>
+                <a:cs typeface="+mn-cs"/>
+              </a:rPr>
+              <a:t>Laravel</a:t>
+            </a:r>
+            <a:r>
+              <a:rPr lang="pl-PL" sz="1200" kern="1200" dirty="0">
+                <a:solidFill>
+                  <a:schemeClr val="tx1"/>
+                </a:solidFill>
+                <a:effectLst/>
+                <a:latin typeface="+mn-lt"/>
+                <a:ea typeface="+mn-ea"/>
+                <a:cs typeface="+mn-cs"/>
+              </a:rPr>
+              <a:t> posiada rozwiązania mające zabezpieczyć aplikacje przed atakami CSRF(zapytania miedzy serwerami). Każde zapytanie wykonane ze strony do części </a:t>
+            </a:r>
+            <a:r>
+              <a:rPr lang="pl-PL" sz="1200" kern="1200" dirty="0" err="1">
+                <a:solidFill>
+                  <a:schemeClr val="tx1"/>
+                </a:solidFill>
+                <a:effectLst/>
+                <a:latin typeface="+mn-lt"/>
+                <a:ea typeface="+mn-ea"/>
+                <a:cs typeface="+mn-cs"/>
+              </a:rPr>
+              <a:t>backendowej</a:t>
+            </a:r>
+            <a:r>
+              <a:rPr lang="pl-PL" sz="1200" kern="1200" dirty="0">
+                <a:solidFill>
+                  <a:schemeClr val="tx1"/>
+                </a:solidFill>
+                <a:effectLst/>
+                <a:latin typeface="+mn-lt"/>
+                <a:ea typeface="+mn-ea"/>
+                <a:cs typeface="+mn-cs"/>
+              </a:rPr>
+              <a:t> powinno jako jeden z parametrów zawierać X-CSRF-</a:t>
+            </a:r>
+            <a:r>
+              <a:rPr lang="pl-PL" sz="1200" kern="1200" dirty="0" err="1">
+                <a:solidFill>
+                  <a:schemeClr val="tx1"/>
+                </a:solidFill>
+                <a:effectLst/>
+                <a:latin typeface="+mn-lt"/>
+                <a:ea typeface="+mn-ea"/>
+                <a:cs typeface="+mn-cs"/>
+              </a:rPr>
+              <a:t>Token</a:t>
+            </a:r>
+            <a:r>
+              <a:rPr lang="pl-PL" sz="1200" kern="1200" dirty="0">
+                <a:solidFill>
+                  <a:schemeClr val="tx1"/>
+                </a:solidFill>
+                <a:effectLst/>
+                <a:latin typeface="+mn-lt"/>
+                <a:ea typeface="+mn-ea"/>
+                <a:cs typeface="+mn-cs"/>
+              </a:rPr>
+              <a:t> wygenerowany dla danej sesji. W przypadku, gdy nasz aplikacja po stronie </a:t>
+            </a:r>
+            <a:r>
+              <a:rPr lang="pl-PL" sz="1200" kern="1200" dirty="0" err="1">
+                <a:solidFill>
+                  <a:schemeClr val="tx1"/>
+                </a:solidFill>
+                <a:effectLst/>
+                <a:latin typeface="+mn-lt"/>
+                <a:ea typeface="+mn-ea"/>
+                <a:cs typeface="+mn-cs"/>
+              </a:rPr>
+              <a:t>frontendowej</a:t>
+            </a:r>
+            <a:r>
+              <a:rPr lang="pl-PL" sz="1200" kern="1200" dirty="0">
+                <a:solidFill>
+                  <a:schemeClr val="tx1"/>
+                </a:solidFill>
+                <a:effectLst/>
+                <a:latin typeface="+mn-lt"/>
+                <a:ea typeface="+mn-ea"/>
+                <a:cs typeface="+mn-cs"/>
+              </a:rPr>
+              <a:t> jest zrealizowana przy pomocy </a:t>
+            </a:r>
+            <a:r>
+              <a:rPr lang="pl-PL" sz="1200" kern="1200" dirty="0" err="1">
+                <a:solidFill>
+                  <a:schemeClr val="tx1"/>
+                </a:solidFill>
+                <a:effectLst/>
+                <a:latin typeface="+mn-lt"/>
+                <a:ea typeface="+mn-ea"/>
+                <a:cs typeface="+mn-cs"/>
+              </a:rPr>
+              <a:t>frameworka</a:t>
+            </a:r>
+            <a:r>
+              <a:rPr lang="pl-PL" sz="1200" kern="1200" dirty="0">
+                <a:solidFill>
+                  <a:schemeClr val="tx1"/>
+                </a:solidFill>
+                <a:effectLst/>
+                <a:latin typeface="+mn-lt"/>
+                <a:ea typeface="+mn-ea"/>
+                <a:cs typeface="+mn-cs"/>
+              </a:rPr>
+              <a:t> </a:t>
+            </a:r>
+            <a:r>
+              <a:rPr lang="pl-PL" sz="1200" kern="1200" dirty="0" err="1">
+                <a:solidFill>
+                  <a:schemeClr val="tx1"/>
+                </a:solidFill>
+                <a:effectLst/>
+                <a:latin typeface="+mn-lt"/>
+                <a:ea typeface="+mn-ea"/>
+                <a:cs typeface="+mn-cs"/>
+              </a:rPr>
+              <a:t>js</a:t>
+            </a:r>
+            <a:r>
+              <a:rPr lang="pl-PL" sz="1200" kern="1200" dirty="0">
+                <a:solidFill>
+                  <a:schemeClr val="tx1"/>
+                </a:solidFill>
+                <a:effectLst/>
+                <a:latin typeface="+mn-lt"/>
+                <a:ea typeface="+mn-ea"/>
+                <a:cs typeface="+mn-cs"/>
+              </a:rPr>
+              <a:t> biedzimy musieli sami zadbać o umieszczanie tego </a:t>
+            </a:r>
+            <a:r>
+              <a:rPr lang="pl-PL" sz="1200" kern="1200" dirty="0" err="1">
+                <a:solidFill>
+                  <a:schemeClr val="tx1"/>
+                </a:solidFill>
+                <a:effectLst/>
+                <a:latin typeface="+mn-lt"/>
+                <a:ea typeface="+mn-ea"/>
+                <a:cs typeface="+mn-cs"/>
+              </a:rPr>
+              <a:t>tokena</a:t>
+            </a:r>
+            <a:r>
+              <a:rPr lang="pl-PL" sz="1200" kern="1200" dirty="0">
+                <a:solidFill>
+                  <a:schemeClr val="tx1"/>
+                </a:solidFill>
+                <a:effectLst/>
+                <a:latin typeface="+mn-lt"/>
+                <a:ea typeface="+mn-ea"/>
+                <a:cs typeface="+mn-cs"/>
+              </a:rPr>
+              <a:t> w zapytaniach, w przypadku standardowych zapytań z formularzy </a:t>
+            </a:r>
+            <a:r>
+              <a:rPr lang="pl-PL" sz="1200" kern="1200" dirty="0" err="1">
+                <a:solidFill>
+                  <a:schemeClr val="tx1"/>
+                </a:solidFill>
+                <a:effectLst/>
+                <a:latin typeface="+mn-lt"/>
+                <a:ea typeface="+mn-ea"/>
+                <a:cs typeface="+mn-cs"/>
+              </a:rPr>
+              <a:t>html</a:t>
+            </a:r>
+            <a:r>
+              <a:rPr lang="pl-PL" sz="1200" kern="1200" dirty="0">
+                <a:solidFill>
+                  <a:schemeClr val="tx1"/>
+                </a:solidFill>
+                <a:effectLst/>
+                <a:latin typeface="+mn-lt"/>
+                <a:ea typeface="+mn-ea"/>
+                <a:cs typeface="+mn-cs"/>
+              </a:rPr>
+              <a:t> </a:t>
+            </a:r>
+            <a:r>
+              <a:rPr lang="pl-PL" sz="1200" kern="1200" dirty="0" err="1">
+                <a:solidFill>
+                  <a:schemeClr val="tx1"/>
+                </a:solidFill>
+                <a:effectLst/>
+                <a:latin typeface="+mn-lt"/>
+                <a:ea typeface="+mn-ea"/>
+                <a:cs typeface="+mn-cs"/>
+              </a:rPr>
+              <a:t>token</a:t>
+            </a:r>
+            <a:r>
+              <a:rPr lang="pl-PL" sz="1200" kern="1200" dirty="0">
+                <a:solidFill>
+                  <a:schemeClr val="tx1"/>
+                </a:solidFill>
+                <a:effectLst/>
+                <a:latin typeface="+mn-lt"/>
+                <a:ea typeface="+mn-ea"/>
+                <a:cs typeface="+mn-cs"/>
+              </a:rPr>
+              <a:t> zostanie automatycznie dodany do formularza. </a:t>
+            </a:r>
+          </a:p>
+          <a:p>
+            <a:r>
+              <a:rPr lang="pl-PL" sz="1200" kern="1200" dirty="0">
+                <a:solidFill>
+                  <a:schemeClr val="tx1"/>
+                </a:solidFill>
+                <a:effectLst/>
+                <a:latin typeface="+mn-lt"/>
+                <a:ea typeface="+mn-ea"/>
+                <a:cs typeface="+mn-cs"/>
+              </a:rPr>
+              <a:t>Kolejna z zalet </a:t>
+            </a:r>
+            <a:r>
+              <a:rPr lang="pl-PL" sz="1200" kern="1200" dirty="0" err="1">
+                <a:solidFill>
+                  <a:schemeClr val="tx1"/>
+                </a:solidFill>
+                <a:effectLst/>
+                <a:latin typeface="+mn-lt"/>
+                <a:ea typeface="+mn-ea"/>
+                <a:cs typeface="+mn-cs"/>
+              </a:rPr>
+              <a:t>laravela</a:t>
+            </a:r>
+            <a:r>
+              <a:rPr lang="pl-PL" sz="1200" kern="1200" dirty="0">
+                <a:solidFill>
+                  <a:schemeClr val="tx1"/>
+                </a:solidFill>
+                <a:effectLst/>
+                <a:latin typeface="+mn-lt"/>
+                <a:ea typeface="+mn-ea"/>
+                <a:cs typeface="+mn-cs"/>
+              </a:rPr>
+              <a:t> jest wbudowana implementacja </a:t>
+            </a:r>
+            <a:r>
+              <a:rPr lang="pl-PL" sz="1200" kern="1200" dirty="0" err="1">
+                <a:solidFill>
+                  <a:schemeClr val="tx1"/>
+                </a:solidFill>
+                <a:effectLst/>
+                <a:latin typeface="+mn-lt"/>
+                <a:ea typeface="+mn-ea"/>
+                <a:cs typeface="+mn-cs"/>
+              </a:rPr>
+              <a:t>active</a:t>
+            </a:r>
+            <a:r>
+              <a:rPr lang="pl-PL" sz="1200" kern="1200" dirty="0">
+                <a:solidFill>
+                  <a:schemeClr val="tx1"/>
+                </a:solidFill>
+                <a:effectLst/>
+                <a:latin typeface="+mn-lt"/>
+                <a:ea typeface="+mn-ea"/>
+                <a:cs typeface="+mn-cs"/>
+              </a:rPr>
+              <a:t> </a:t>
+            </a:r>
+            <a:r>
+              <a:rPr lang="pl-PL" sz="1200" kern="1200" dirty="0" err="1">
+                <a:solidFill>
+                  <a:schemeClr val="tx1"/>
+                </a:solidFill>
+                <a:effectLst/>
+                <a:latin typeface="+mn-lt"/>
+                <a:ea typeface="+mn-ea"/>
+                <a:cs typeface="+mn-cs"/>
+              </a:rPr>
+              <a:t>records</a:t>
+            </a:r>
+            <a:r>
+              <a:rPr lang="pl-PL" sz="1200" kern="1200" dirty="0">
+                <a:solidFill>
+                  <a:schemeClr val="tx1"/>
+                </a:solidFill>
+                <a:effectLst/>
+                <a:latin typeface="+mn-lt"/>
+                <a:ea typeface="+mn-ea"/>
+                <a:cs typeface="+mn-cs"/>
+              </a:rPr>
+              <a:t> pozwalająca odwzorować encje z tabel jako instancje klas (modeli) i działania na tych obiektach odwzorować w bazie bez pisania klasycznych zapytań.  </a:t>
+            </a:r>
+          </a:p>
+          <a:p>
+            <a:r>
+              <a:rPr lang="pl-PL" sz="1200" kern="1200" dirty="0">
+                <a:solidFill>
+                  <a:schemeClr val="tx1"/>
+                </a:solidFill>
+                <a:effectLst/>
+                <a:latin typeface="+mn-lt"/>
+                <a:ea typeface="+mn-ea"/>
+                <a:cs typeface="+mn-cs"/>
+              </a:rPr>
+              <a:t>Jeśli nasz aplikacja nie musi być zrealizowana w formie pojedynczej strony i nie przeszkadzają nam przeładowywania strony </a:t>
+            </a:r>
+            <a:r>
+              <a:rPr lang="pl-PL" sz="1200" kern="1200" dirty="0" err="1">
+                <a:solidFill>
+                  <a:schemeClr val="tx1"/>
+                </a:solidFill>
+                <a:effectLst/>
+                <a:latin typeface="+mn-lt"/>
+                <a:ea typeface="+mn-ea"/>
+                <a:cs typeface="+mn-cs"/>
+              </a:rPr>
+              <a:t>laravel</a:t>
+            </a:r>
+            <a:r>
+              <a:rPr lang="pl-PL" sz="1200" kern="1200" dirty="0">
+                <a:solidFill>
+                  <a:schemeClr val="tx1"/>
+                </a:solidFill>
+                <a:effectLst/>
+                <a:latin typeface="+mn-lt"/>
+                <a:ea typeface="+mn-ea"/>
+                <a:cs typeface="+mn-cs"/>
+              </a:rPr>
+              <a:t> posiada wbudowany silnik szablonów BLADE  pozwalający generować do </a:t>
+            </a:r>
+            <a:r>
+              <a:rPr lang="pl-PL" sz="1200" kern="1200" dirty="0" err="1">
+                <a:solidFill>
+                  <a:schemeClr val="tx1"/>
+                </a:solidFill>
+                <a:effectLst/>
+                <a:latin typeface="+mn-lt"/>
+                <a:ea typeface="+mn-ea"/>
+                <a:cs typeface="+mn-cs"/>
+              </a:rPr>
+              <a:t>html</a:t>
+            </a:r>
+            <a:r>
+              <a:rPr lang="pl-PL" sz="1200" kern="1200" dirty="0">
+                <a:solidFill>
+                  <a:schemeClr val="tx1"/>
+                </a:solidFill>
+                <a:effectLst/>
+                <a:latin typeface="+mn-lt"/>
+                <a:ea typeface="+mn-ea"/>
+                <a:cs typeface="+mn-cs"/>
+              </a:rPr>
+              <a:t> w wygodny sposób dane, formularze. Pozwala również na podział strony na komponenty , które możemy wielokrotnie używać na różnych podstronach.</a:t>
+            </a:r>
+          </a:p>
+          <a:p>
+            <a:r>
+              <a:rPr lang="pl-PL" sz="1200" kern="1200" dirty="0" err="1">
+                <a:solidFill>
+                  <a:schemeClr val="tx1"/>
+                </a:solidFill>
+                <a:effectLst/>
+                <a:latin typeface="+mn-lt"/>
+                <a:ea typeface="+mn-ea"/>
+                <a:cs typeface="+mn-cs"/>
+              </a:rPr>
+              <a:t>Laravel</a:t>
+            </a:r>
+            <a:r>
+              <a:rPr lang="pl-PL" sz="1200" kern="1200" dirty="0">
+                <a:solidFill>
+                  <a:schemeClr val="tx1"/>
+                </a:solidFill>
+                <a:effectLst/>
+                <a:latin typeface="+mn-lt"/>
+                <a:ea typeface="+mn-ea"/>
+                <a:cs typeface="+mn-cs"/>
+              </a:rPr>
+              <a:t> posiada również wbudowany system walidacji danych, który jest w stanie sprawdzić dane z formularza i sam wygenerować wiadomość zwrotna ( można tą wiadomość również zdefiniować) gdy  któraś z danych nie przeszła walidacji. </a:t>
+            </a:r>
+          </a:p>
+          <a:p>
+            <a:r>
+              <a:rPr lang="pl-PL" sz="1200" kern="1200" dirty="0" err="1">
+                <a:solidFill>
+                  <a:schemeClr val="tx1"/>
+                </a:solidFill>
+                <a:effectLst/>
+                <a:latin typeface="+mn-lt"/>
+                <a:ea typeface="+mn-ea"/>
+                <a:cs typeface="+mn-cs"/>
+              </a:rPr>
+              <a:t>Laravel</a:t>
+            </a:r>
+            <a:r>
+              <a:rPr lang="pl-PL" sz="1200" kern="1200" dirty="0">
+                <a:solidFill>
+                  <a:schemeClr val="tx1"/>
+                </a:solidFill>
+                <a:effectLst/>
+                <a:latin typeface="+mn-lt"/>
+                <a:ea typeface="+mn-ea"/>
+                <a:cs typeface="+mn-cs"/>
+              </a:rPr>
+              <a:t> umożliwia budowanie wielojęzykowych aplikacji. Pozwala na zdefiniowanie wielu </a:t>
+            </a:r>
+            <a:r>
+              <a:rPr lang="pl-PL" sz="1200" kern="1200" dirty="0" err="1">
+                <a:solidFill>
+                  <a:schemeClr val="tx1"/>
+                </a:solidFill>
+                <a:effectLst/>
+                <a:latin typeface="+mn-lt"/>
+                <a:ea typeface="+mn-ea"/>
+                <a:cs typeface="+mn-cs"/>
+              </a:rPr>
+              <a:t>jezyków</a:t>
+            </a:r>
+            <a:r>
+              <a:rPr lang="pl-PL" sz="1200" kern="1200" dirty="0">
+                <a:solidFill>
+                  <a:schemeClr val="tx1"/>
+                </a:solidFill>
+                <a:effectLst/>
+                <a:latin typeface="+mn-lt"/>
+                <a:ea typeface="+mn-ea"/>
+                <a:cs typeface="+mn-cs"/>
+              </a:rPr>
+              <a:t> i ich proste użycie w aplikacji.  </a:t>
+            </a:r>
+          </a:p>
+          <a:p>
+            <a:r>
+              <a:rPr lang="pl-PL" sz="1200" kern="1200" dirty="0">
+                <a:solidFill>
+                  <a:schemeClr val="tx1"/>
+                </a:solidFill>
+                <a:effectLst/>
+                <a:latin typeface="+mn-lt"/>
+                <a:ea typeface="+mn-ea"/>
+                <a:cs typeface="+mn-cs"/>
+              </a:rPr>
+              <a:t>Framework składa się z modułów/ paczek. Do standardowego zestawu możemy dodawać kolejne stworzone przez społeczność </a:t>
+            </a:r>
+            <a:r>
+              <a:rPr lang="pl-PL" sz="1200" kern="1200" dirty="0" err="1">
+                <a:solidFill>
+                  <a:schemeClr val="tx1"/>
+                </a:solidFill>
+                <a:effectLst/>
+                <a:latin typeface="+mn-lt"/>
+                <a:ea typeface="+mn-ea"/>
+                <a:cs typeface="+mn-cs"/>
+              </a:rPr>
+              <a:t>laravela</a:t>
+            </a:r>
+            <a:r>
+              <a:rPr lang="pl-PL" sz="1200" kern="1200" dirty="0">
+                <a:solidFill>
+                  <a:schemeClr val="tx1"/>
+                </a:solidFill>
+                <a:effectLst/>
+                <a:latin typeface="+mn-lt"/>
+                <a:ea typeface="+mn-ea"/>
+                <a:cs typeface="+mn-cs"/>
+              </a:rPr>
+              <a:t>. Dodają one nowa funkcjonalność.  Definiujemy używane paczki w plikach konfiguracyjnych </a:t>
+            </a:r>
+            <a:r>
+              <a:rPr lang="pl-PL" sz="1200" kern="1200" dirty="0" err="1">
+                <a:solidFill>
+                  <a:schemeClr val="tx1"/>
+                </a:solidFill>
+                <a:effectLst/>
+                <a:latin typeface="+mn-lt"/>
+                <a:ea typeface="+mn-ea"/>
+                <a:cs typeface="+mn-cs"/>
+              </a:rPr>
+              <a:t>frameworka</a:t>
+            </a:r>
+            <a:r>
+              <a:rPr lang="pl-PL" sz="1200" kern="1200" dirty="0">
+                <a:solidFill>
+                  <a:schemeClr val="tx1"/>
+                </a:solidFill>
+                <a:effectLst/>
+                <a:latin typeface="+mn-lt"/>
+                <a:ea typeface="+mn-ea"/>
+                <a:cs typeface="+mn-cs"/>
+              </a:rPr>
+              <a:t>, a następnie z linii komend uruchamiamy </a:t>
+            </a:r>
+            <a:r>
+              <a:rPr lang="pl-PL" sz="1200" kern="1200" dirty="0" err="1">
+                <a:solidFill>
+                  <a:schemeClr val="tx1"/>
+                </a:solidFill>
+                <a:effectLst/>
+                <a:latin typeface="+mn-lt"/>
+                <a:ea typeface="+mn-ea"/>
+                <a:cs typeface="+mn-cs"/>
+              </a:rPr>
+              <a:t>composera</a:t>
+            </a:r>
+            <a:r>
+              <a:rPr lang="pl-PL" sz="1200" kern="1200" dirty="0">
+                <a:solidFill>
+                  <a:schemeClr val="tx1"/>
+                </a:solidFill>
+                <a:effectLst/>
+                <a:latin typeface="+mn-lt"/>
+                <a:ea typeface="+mn-ea"/>
+                <a:cs typeface="+mn-cs"/>
+              </a:rPr>
+              <a:t>, który pobierze potrzebne pliki do załadowania dodanej paczki. </a:t>
+            </a:r>
+          </a:p>
+          <a:p>
+            <a:r>
+              <a:rPr lang="pl-PL" sz="1200" kern="1200" dirty="0">
+                <a:solidFill>
+                  <a:schemeClr val="tx1"/>
+                </a:solidFill>
+                <a:effectLst/>
+                <a:latin typeface="+mn-lt"/>
+                <a:ea typeface="+mn-ea"/>
+                <a:cs typeface="+mn-cs"/>
+              </a:rPr>
+              <a:t>Kolejna z zalet </a:t>
+            </a:r>
+            <a:r>
+              <a:rPr lang="pl-PL" sz="1200" kern="1200" dirty="0" err="1">
+                <a:solidFill>
+                  <a:schemeClr val="tx1"/>
+                </a:solidFill>
+                <a:effectLst/>
+                <a:latin typeface="+mn-lt"/>
+                <a:ea typeface="+mn-ea"/>
+                <a:cs typeface="+mn-cs"/>
+              </a:rPr>
+              <a:t>laravela</a:t>
+            </a:r>
+            <a:r>
+              <a:rPr lang="pl-PL" sz="1200" kern="1200" dirty="0">
+                <a:solidFill>
+                  <a:schemeClr val="tx1"/>
+                </a:solidFill>
+                <a:effectLst/>
+                <a:latin typeface="+mn-lt"/>
+                <a:ea typeface="+mn-ea"/>
+                <a:cs typeface="+mn-cs"/>
+              </a:rPr>
+              <a:t> jest wbudowany system routingu, który pozwala zdefiniować jakiego typu zapytanie i z jakimi danymi oczekujemy i jakie działania maja zostać wywołane jako efekt zapytania. Routing pozwala również w prosty sposób zdefiniować , które zapytania maja być dostępne dla zalogowanych użytkowników, a które dla wszystkich. </a:t>
+            </a:r>
+          </a:p>
+          <a:p>
+            <a:r>
+              <a:rPr lang="pl-PL" sz="1200" kern="1200" dirty="0" err="1">
+                <a:solidFill>
+                  <a:schemeClr val="tx1"/>
+                </a:solidFill>
+                <a:effectLst/>
+                <a:latin typeface="+mn-lt"/>
+                <a:ea typeface="+mn-ea"/>
+                <a:cs typeface="+mn-cs"/>
+              </a:rPr>
+              <a:t>Laravel</a:t>
+            </a:r>
+            <a:r>
+              <a:rPr lang="pl-PL" sz="1200" kern="1200" dirty="0">
+                <a:solidFill>
+                  <a:schemeClr val="tx1"/>
+                </a:solidFill>
+                <a:effectLst/>
+                <a:latin typeface="+mn-lt"/>
+                <a:ea typeface="+mn-ea"/>
+                <a:cs typeface="+mn-cs"/>
+              </a:rPr>
+              <a:t> pozwala w prosty sposób wygenerować logikę logowania, która jest integralna częścią </a:t>
+            </a:r>
+            <a:r>
+              <a:rPr lang="pl-PL" sz="1200" kern="1200" dirty="0" err="1">
+                <a:solidFill>
+                  <a:schemeClr val="tx1"/>
+                </a:solidFill>
+                <a:effectLst/>
+                <a:latin typeface="+mn-lt"/>
+                <a:ea typeface="+mn-ea"/>
+                <a:cs typeface="+mn-cs"/>
+              </a:rPr>
+              <a:t>frameworka</a:t>
+            </a:r>
+            <a:r>
+              <a:rPr lang="pl-PL" sz="1200" kern="1200" dirty="0">
+                <a:solidFill>
+                  <a:schemeClr val="tx1"/>
+                </a:solidFill>
+                <a:effectLst/>
+                <a:latin typeface="+mn-lt"/>
+                <a:ea typeface="+mn-ea"/>
+                <a:cs typeface="+mn-cs"/>
+              </a:rPr>
+              <a:t> i pozwala na proste definiowanie, które zasoby maja być dostępne tylko dla zalogowanych użytkowników.</a:t>
+            </a:r>
+          </a:p>
+          <a:p>
+            <a:r>
+              <a:rPr lang="pl-PL" sz="1200" kern="1200" dirty="0">
+                <a:solidFill>
+                  <a:schemeClr val="tx1"/>
+                </a:solidFill>
+                <a:effectLst/>
+                <a:latin typeface="+mn-lt"/>
+                <a:ea typeface="+mn-ea"/>
+                <a:cs typeface="+mn-cs"/>
+              </a:rPr>
+              <a:t>Najnowsze wersje posiadają rozbudowaną stronę błędów pozwalająca często namierzyć winowajcę błędu.</a:t>
+            </a:r>
+          </a:p>
+          <a:p>
+            <a:endParaRPr lang="pl-PL" dirty="0"/>
+          </a:p>
+        </p:txBody>
+      </p:sp>
+      <p:sp>
+        <p:nvSpPr>
+          <p:cNvPr id="4" name="Symbol zastępczy numeru slajdu 3"/>
+          <p:cNvSpPr>
+            <a:spLocks noGrp="1"/>
+          </p:cNvSpPr>
+          <p:nvPr>
+            <p:ph type="sldNum" sz="quarter" idx="10"/>
+          </p:nvPr>
+        </p:nvSpPr>
+        <p:spPr/>
+        <p:txBody>
+          <a:bodyPr/>
+          <a:lstStyle/>
+          <a:p>
+            <a:fld id="{2CD82D44-0239-4328-99B4-E4A409A970ED}" type="slidenum">
+              <a:rPr lang="pl-PL" smtClean="0"/>
+              <a:t>7</a:t>
+            </a:fld>
+            <a:endParaRPr lang="pl-PL"/>
+          </a:p>
+        </p:txBody>
+      </p:sp>
+    </p:spTree>
+    <p:extLst>
+      <p:ext uri="{BB962C8B-B14F-4D97-AF65-F5344CB8AC3E}">
+        <p14:creationId xmlns:p14="http://schemas.microsoft.com/office/powerpoint/2010/main" val="1970275365"/>
+      </p:ext>
+    </p:extLst>
+  </p:cSld>
+  <p:clrMapOvr>
+    <a:masterClrMapping/>
+  </p:clrMapOvr>
+</p:notes>
+</file>
+
+<file path=ppt/notesSlides/notesSlide6.xml><?xml version="1.0" encoding="utf-8"?>
+<p:notes xmlns:a="http://schemas.openxmlformats.org/drawingml/2006/main" xmlns:r="http://schemas.openxmlformats.org/officeDocument/2006/relationships" xmlns:p="http://schemas.openxmlformats.org/presentationml/2006/main">
+  <p:cSld>
+    <p:spTree>
+      <p:nvGrpSpPr>
+        <p:cNvPr id="1" name=""/>
+        <p:cNvGrpSpPr/>
+        <p:nvPr/>
+      </p:nvGrpSpPr>
+      <p:grpSpPr>
+        <a:xfrm>
+          <a:off x="0" y="0"/>
+          <a:ext cx="0" cy="0"/>
+          <a:chOff x="0" y="0"/>
+          <a:chExt cx="0" cy="0"/>
+        </a:xfrm>
+      </p:grpSpPr>
+      <p:sp>
+        <p:nvSpPr>
+          <p:cNvPr id="2" name="Symbol zastępczy obrazu slajdu 1"/>
+          <p:cNvSpPr>
+            <a:spLocks noGrp="1" noRot="1" noChangeAspect="1"/>
+          </p:cNvSpPr>
+          <p:nvPr>
+            <p:ph type="sldImg"/>
+          </p:nvPr>
+        </p:nvSpPr>
+        <p:spPr/>
+      </p:sp>
+      <p:sp>
+        <p:nvSpPr>
+          <p:cNvPr id="3" name="Symbol zastępczy notatek 2"/>
+          <p:cNvSpPr>
+            <a:spLocks noGrp="1"/>
+          </p:cNvSpPr>
+          <p:nvPr>
+            <p:ph type="body" idx="1"/>
+          </p:nvPr>
+        </p:nvSpPr>
+        <p:spPr/>
+        <p:txBody>
+          <a:bodyPr/>
+          <a:lstStyle/>
+          <a:p>
+            <a:pPr marL="0" marR="0" lvl="0" indent="0" algn="l" defTabSz="914400" rtl="0" eaLnBrk="1" fontAlgn="auto" latinLnBrk="0" hangingPunct="1">
+              <a:lnSpc>
+                <a:spcPct val="100000"/>
+              </a:lnSpc>
+              <a:spcBef>
+                <a:spcPts val="0"/>
+              </a:spcBef>
+              <a:spcAft>
+                <a:spcPts val="0"/>
+              </a:spcAft>
+              <a:buClrTx/>
+              <a:buSzTx/>
+              <a:buFontTx/>
+              <a:buNone/>
+              <a:tabLst/>
+              <a:defRPr/>
+            </a:pPr>
+            <a:r>
+              <a:rPr lang="pl-PL" sz="1200" kern="1200" dirty="0">
+                <a:solidFill>
+                  <a:schemeClr val="tx1"/>
+                </a:solidFill>
+                <a:effectLst/>
+                <a:latin typeface="+mn-lt"/>
+                <a:ea typeface="+mn-ea"/>
+                <a:cs typeface="+mn-cs"/>
+              </a:rPr>
+              <a:t>Jedną z wad </a:t>
+            </a:r>
+            <a:r>
+              <a:rPr lang="pl-PL" sz="1200" kern="1200" dirty="0" err="1">
+                <a:solidFill>
+                  <a:schemeClr val="tx1"/>
+                </a:solidFill>
+                <a:effectLst/>
+                <a:latin typeface="+mn-lt"/>
+                <a:ea typeface="+mn-ea"/>
+                <a:cs typeface="+mn-cs"/>
+              </a:rPr>
+              <a:t>laravela</a:t>
+            </a:r>
+            <a:r>
+              <a:rPr lang="pl-PL" sz="1200" kern="1200" dirty="0">
+                <a:solidFill>
+                  <a:schemeClr val="tx1"/>
+                </a:solidFill>
+                <a:effectLst/>
+                <a:latin typeface="+mn-lt"/>
+                <a:ea typeface="+mn-ea"/>
+                <a:cs typeface="+mn-cs"/>
+              </a:rPr>
+              <a:t> jest często brak kompatybilności wstecznej z dodatkowymi paczkami. Jeśli wyjdzie nowa wersja </a:t>
+            </a:r>
+            <a:r>
+              <a:rPr lang="pl-PL" sz="1200" kern="1200" dirty="0" err="1">
+                <a:solidFill>
+                  <a:schemeClr val="tx1"/>
+                </a:solidFill>
+                <a:effectLst/>
+                <a:latin typeface="+mn-lt"/>
+                <a:ea typeface="+mn-ea"/>
+                <a:cs typeface="+mn-cs"/>
+              </a:rPr>
+              <a:t>laravela</a:t>
+            </a:r>
+            <a:r>
+              <a:rPr lang="pl-PL" sz="1200" kern="1200" dirty="0">
+                <a:solidFill>
+                  <a:schemeClr val="tx1"/>
+                </a:solidFill>
+                <a:effectLst/>
+                <a:latin typeface="+mn-lt"/>
+                <a:ea typeface="+mn-ea"/>
+                <a:cs typeface="+mn-cs"/>
+              </a:rPr>
+              <a:t> lepiej poczekać z aktualizacja, do momentu gdy autor paczki dostosuje ja do nowej wersji bądź potwierdzi, że paczka działa dobrze z  nową wersja. </a:t>
+            </a:r>
+            <a:r>
+              <a:rPr lang="pl-PL" sz="1200" kern="1200">
+                <a:solidFill>
+                  <a:schemeClr val="tx1"/>
+                </a:solidFill>
+                <a:effectLst/>
+                <a:latin typeface="+mn-lt"/>
+                <a:ea typeface="+mn-ea"/>
+                <a:cs typeface="+mn-cs"/>
+              </a:rPr>
+              <a:t>Przejście na nową wersje, również powinno być przeprowadzone ostrożnie i zakończone testowaniem całej funkcjonalności, gdyż zmian między wersjami potrafi być sporo i cos może zacząć zachowywać się nie tak jak oczekujemy.</a:t>
+            </a:r>
+          </a:p>
+          <a:p>
+            <a:endParaRPr lang="pl-PL"/>
+          </a:p>
+        </p:txBody>
+      </p:sp>
+      <p:sp>
+        <p:nvSpPr>
+          <p:cNvPr id="4" name="Symbol zastępczy numeru slajdu 3"/>
+          <p:cNvSpPr>
+            <a:spLocks noGrp="1"/>
+          </p:cNvSpPr>
+          <p:nvPr>
+            <p:ph type="sldNum" sz="quarter" idx="10"/>
+          </p:nvPr>
+        </p:nvSpPr>
+        <p:spPr/>
+        <p:txBody>
+          <a:bodyPr/>
+          <a:lstStyle/>
+          <a:p>
+            <a:fld id="{2CD82D44-0239-4328-99B4-E4A409A970ED}" type="slidenum">
+              <a:rPr lang="pl-PL" smtClean="0"/>
+              <a:t>8</a:t>
+            </a:fld>
+            <a:endParaRPr lang="pl-PL"/>
+          </a:p>
+        </p:txBody>
+      </p:sp>
+    </p:spTree>
+    <p:extLst>
+      <p:ext uri="{BB962C8B-B14F-4D97-AF65-F5344CB8AC3E}">
+        <p14:creationId xmlns:p14="http://schemas.microsoft.com/office/powerpoint/2010/main" val="2027687289"/>
+      </p:ext>
+    </p:extLst>
+  </p:cSld>
+  <p:clrMapOvr>
+    <a:masterClrMapping/>
+  </p:clrMapOvr>
+</p:notes>
+</file>
+
 <file path=ppt/slideLayouts/slideLayout1.xml><?xml version="1.0" encoding="utf-8"?>
 <p:sldLayout xmlns:a="http://schemas.openxmlformats.org/drawingml/2006/main" xmlns:r="http://schemas.openxmlformats.org/officeDocument/2006/relationships" xmlns:p="http://schemas.openxmlformats.org/presentationml/2006/main" type="title" preserve="1">
   <p:cSld name="Slajd tytułowy">
@@ -302,7 +2780,7 @@
           <a:p>
             <a:fld id="{D237946D-03F5-4F72-8A60-4B7DC03F5C3B}" type="datetimeFigureOut">
               <a:rPr lang="pl-PL" smtClean="0"/>
-              <a:t>2018-03-09</a:t>
+              <a:t>2018-03-23</a:t>
             </a:fld>
             <a:endParaRPr lang="pl-PL"/>
           </a:p>
@@ -577,7 +3055,7 @@
           <a:p>
             <a:fld id="{D237946D-03F5-4F72-8A60-4B7DC03F5C3B}" type="datetimeFigureOut">
               <a:rPr lang="pl-PL" smtClean="0"/>
-              <a:t>2018-03-09</a:t>
+              <a:t>2018-03-23</a:t>
             </a:fld>
             <a:endParaRPr lang="pl-PL"/>
           </a:p>
@@ -771,7 +3249,7 @@
           <a:p>
             <a:fld id="{D237946D-03F5-4F72-8A60-4B7DC03F5C3B}" type="datetimeFigureOut">
               <a:rPr lang="pl-PL" smtClean="0"/>
-              <a:t>2018-03-09</a:t>
+              <a:t>2018-03-23</a:t>
             </a:fld>
             <a:endParaRPr lang="pl-PL"/>
           </a:p>
@@ -1039,7 +3517,7 @@
           <a:p>
             <a:fld id="{D237946D-03F5-4F72-8A60-4B7DC03F5C3B}" type="datetimeFigureOut">
               <a:rPr lang="pl-PL" smtClean="0"/>
-              <a:t>2018-03-09</a:t>
+              <a:t>2018-03-23</a:t>
             </a:fld>
             <a:endParaRPr lang="pl-PL"/>
           </a:p>
@@ -1371,7 +3849,7 @@
           <a:p>
             <a:fld id="{D237946D-03F5-4F72-8A60-4B7DC03F5C3B}" type="datetimeFigureOut">
               <a:rPr lang="pl-PL" smtClean="0"/>
-              <a:t>2018-03-09</a:t>
+              <a:t>2018-03-23</a:t>
             </a:fld>
             <a:endParaRPr lang="pl-PL"/>
           </a:p>
@@ -1981,7 +4459,7 @@
           <a:p>
             <a:fld id="{D237946D-03F5-4F72-8A60-4B7DC03F5C3B}" type="datetimeFigureOut">
               <a:rPr lang="pl-PL" smtClean="0"/>
-              <a:t>2018-03-09</a:t>
+              <a:t>2018-03-23</a:t>
             </a:fld>
             <a:endParaRPr lang="pl-PL"/>
           </a:p>
@@ -2828,7 +5306,7 @@
           <a:p>
             <a:fld id="{D237946D-03F5-4F72-8A60-4B7DC03F5C3B}" type="datetimeFigureOut">
               <a:rPr lang="pl-PL" smtClean="0"/>
-              <a:t>2018-03-09</a:t>
+              <a:t>2018-03-23</a:t>
             </a:fld>
             <a:endParaRPr lang="pl-PL"/>
           </a:p>
@@ -2998,7 +5476,7 @@
           <a:p>
             <a:fld id="{D237946D-03F5-4F72-8A60-4B7DC03F5C3B}" type="datetimeFigureOut">
               <a:rPr lang="pl-PL" smtClean="0"/>
-              <a:t>2018-03-09</a:t>
+              <a:t>2018-03-23</a:t>
             </a:fld>
             <a:endParaRPr lang="pl-PL"/>
           </a:p>
@@ -3178,7 +5656,7 @@
           <a:p>
             <a:fld id="{D237946D-03F5-4F72-8A60-4B7DC03F5C3B}" type="datetimeFigureOut">
               <a:rPr lang="pl-PL" smtClean="0"/>
-              <a:t>2018-03-09</a:t>
+              <a:t>2018-03-23</a:t>
             </a:fld>
             <a:endParaRPr lang="pl-PL"/>
           </a:p>
@@ -3348,7 +5826,7 @@
           <a:p>
             <a:fld id="{D237946D-03F5-4F72-8A60-4B7DC03F5C3B}" type="datetimeFigureOut">
               <a:rPr lang="pl-PL" smtClean="0"/>
-              <a:t>2018-03-09</a:t>
+              <a:t>2018-03-23</a:t>
             </a:fld>
             <a:endParaRPr lang="pl-PL"/>
           </a:p>
@@ -3592,7 +6070,7 @@
           <a:p>
             <a:fld id="{D237946D-03F5-4F72-8A60-4B7DC03F5C3B}" type="datetimeFigureOut">
               <a:rPr lang="pl-PL" smtClean="0"/>
-              <a:t>2018-03-09</a:t>
+              <a:t>2018-03-23</a:t>
             </a:fld>
             <a:endParaRPr lang="pl-PL"/>
           </a:p>
@@ -3884,7 +6362,7 @@
           <a:p>
             <a:fld id="{D237946D-03F5-4F72-8A60-4B7DC03F5C3B}" type="datetimeFigureOut">
               <a:rPr lang="pl-PL" smtClean="0"/>
-              <a:t>2018-03-09</a:t>
+              <a:t>2018-03-23</a:t>
             </a:fld>
             <a:endParaRPr lang="pl-PL"/>
           </a:p>
@@ -4322,7 +6800,7 @@
           <a:p>
             <a:fld id="{D237946D-03F5-4F72-8A60-4B7DC03F5C3B}" type="datetimeFigureOut">
               <a:rPr lang="pl-PL" smtClean="0"/>
-              <a:t>2018-03-09</a:t>
+              <a:t>2018-03-23</a:t>
             </a:fld>
             <a:endParaRPr lang="pl-PL"/>
           </a:p>
@@ -4440,7 +6918,7 @@
           <a:p>
             <a:fld id="{D237946D-03F5-4F72-8A60-4B7DC03F5C3B}" type="datetimeFigureOut">
               <a:rPr lang="pl-PL" smtClean="0"/>
-              <a:t>2018-03-09</a:t>
+              <a:t>2018-03-23</a:t>
             </a:fld>
             <a:endParaRPr lang="pl-PL"/>
           </a:p>
@@ -4535,7 +7013,7 @@
           <a:p>
             <a:fld id="{D237946D-03F5-4F72-8A60-4B7DC03F5C3B}" type="datetimeFigureOut">
               <a:rPr lang="pl-PL" smtClean="0"/>
-              <a:t>2018-03-09</a:t>
+              <a:t>2018-03-23</a:t>
             </a:fld>
             <a:endParaRPr lang="pl-PL"/>
           </a:p>
@@ -4814,7 +7292,7 @@
           <a:p>
             <a:fld id="{D237946D-03F5-4F72-8A60-4B7DC03F5C3B}" type="datetimeFigureOut">
               <a:rPr lang="pl-PL" smtClean="0"/>
-              <a:t>2018-03-09</a:t>
+              <a:t>2018-03-23</a:t>
             </a:fld>
             <a:endParaRPr lang="pl-PL"/>
           </a:p>
@@ -5089,7 +7567,7 @@
           <a:p>
             <a:fld id="{D237946D-03F5-4F72-8A60-4B7DC03F5C3B}" type="datetimeFigureOut">
               <a:rPr lang="pl-PL" smtClean="0"/>
-              <a:t>2018-03-09</a:t>
+              <a:t>2018-03-23</a:t>
             </a:fld>
             <a:endParaRPr lang="pl-PL"/>
           </a:p>
@@ -5518,7 +7996,7 @@
           <a:p>
             <a:fld id="{D237946D-03F5-4F72-8A60-4B7DC03F5C3B}" type="datetimeFigureOut">
               <a:rPr lang="pl-PL" smtClean="0"/>
-              <a:t>2018-03-09</a:t>
+              <a:t>2018-03-23</a:t>
             </a:fld>
             <a:endParaRPr lang="pl-PL"/>
           </a:p>
@@ -6145,7 +8623,7 @@
           <p:cNvPr id="2" name="Tytuł 1">
             <a:extLst>
               <a:ext uri="{FF2B5EF4-FFF2-40B4-BE49-F238E27FC236}">
-                <a16:creationId xmlns:a16="http://schemas.microsoft.com/office/drawing/2014/main" id="{FFA21FC7-8B79-4E19-AA14-FC34AB9798A2}"/>
+                <a16:creationId xmlns:a16="http://schemas.microsoft.com/office/drawing/2014/main" id="{912B5AAF-5124-4F0D-9EB9-53F4F2EFAAB8}"/>
               </a:ext>
             </a:extLst>
           </p:cNvPr>
@@ -6162,8 +8640,8 @@
           <a:lstStyle/>
           <a:p>
             <a:r>
-              <a:rPr lang="pl-PL" dirty="0" err="1"/>
-              <a:t>Laravel</a:t>
+              <a:rPr lang="pl-PL" b="1" dirty="0"/>
+              <a:t>Vue.js</a:t>
             </a:r>
             <a:endParaRPr lang="pl-PL" dirty="0"/>
           </a:p>
@@ -6171,44 +8649,47 @@
       </p:sp>
       <p:sp>
         <p:nvSpPr>
-          <p:cNvPr id="3" name="Symbol zastępczy zawartości 2">
+          <p:cNvPr id="4" name="pole tekstowe 3">
             <a:extLst>
               <a:ext uri="{FF2B5EF4-FFF2-40B4-BE49-F238E27FC236}">
-                <a16:creationId xmlns:a16="http://schemas.microsoft.com/office/drawing/2014/main" id="{1B64C57A-8C7D-4EAB-82CC-07CE9507D751}"/>
+                <a16:creationId xmlns:a16="http://schemas.microsoft.com/office/drawing/2014/main" id="{ABC2F6B2-DEA2-40A6-B1E2-CF4A27FE0A07}"/>
               </a:ext>
             </a:extLst>
           </p:cNvPr>
-          <p:cNvSpPr>
-            <a:spLocks noGrp="1"/>
-          </p:cNvSpPr>
-          <p:nvPr>
-            <p:ph idx="1"/>
-          </p:nvPr>
+          <p:cNvSpPr txBox="1"/>
+          <p:nvPr/>
         </p:nvSpPr>
         <p:spPr>
           <a:xfrm>
-            <a:off x="1103313" y="2052918"/>
-            <a:ext cx="5284236" cy="4195481"/>
+            <a:off x="1179443" y="1987825"/>
+            <a:ext cx="5711687" cy="2308324"/>
           </a:xfrm>
+          <a:prstGeom prst="rect">
+            <a:avLst/>
+          </a:prstGeom>
+          <a:noFill/>
         </p:spPr>
         <p:txBody>
-          <a:bodyPr/>
+          <a:bodyPr wrap="square" rtlCol="0">
+            <a:spAutoFit/>
+          </a:bodyPr>
           <a:lstStyle/>
           <a:p>
-            <a:pPr marL="0" indent="0">
-              <a:buNone/>
-            </a:pPr>
+            <a:r>
+              <a:rPr lang="pl-PL" dirty="0"/>
+              <a:t>Vue.js to progresywny </a:t>
+            </a:r>
             <a:r>
               <a:rPr lang="pl-PL" dirty="0" err="1"/>
-              <a:t>Laravel</a:t>
+              <a:t>framework</a:t>
             </a:r>
             <a:r>
               <a:rPr lang="pl-PL" dirty="0"/>
-              <a:t> jest darmowym, open-</a:t>
+              <a:t> JavaScript do budowania interfejsów użytkownika. Został stworzony przez </a:t>
             </a:r>
             <a:r>
               <a:rPr lang="pl-PL" dirty="0" err="1"/>
-              <a:t>sourceowym</a:t>
+              <a:t>Evan’a</a:t>
             </a:r>
             <a:r>
               <a:rPr lang="pl-PL" dirty="0"/>
@@ -6216,70 +8697,29 @@
             </a:r>
             <a:r>
               <a:rPr lang="pl-PL" dirty="0" err="1"/>
-              <a:t>framworkiem</a:t>
+              <a:t>You</a:t>
             </a:r>
             <a:r>
               <a:rPr lang="pl-PL" dirty="0"/>
-              <a:t> PHP stworzonym przez Taylora </a:t>
+              <a:t>. Pomysł stworzenia Vue był efektem pracy z </a:t>
             </a:r>
             <a:r>
               <a:rPr lang="pl-PL" dirty="0" err="1"/>
-              <a:t>Otwella</a:t>
+              <a:t>Angularem</a:t>
             </a:r>
             <a:r>
               <a:rPr lang="pl-PL" dirty="0"/>
-              <a:t> przeznaczonym do tworzenia aplikacji webowych zgodnych z wzorcem MVC (model </a:t>
-            </a:r>
-            <a:r>
-              <a:rPr lang="pl-PL" dirty="0" err="1"/>
-              <a:t>view</a:t>
-            </a:r>
-            <a:r>
-              <a:rPr lang="pl-PL" dirty="0"/>
-              <a:t> </a:t>
-            </a:r>
-            <a:r>
-              <a:rPr lang="pl-PL" dirty="0" err="1"/>
-              <a:t>controller</a:t>
-            </a:r>
-            <a:r>
-              <a:rPr lang="pl-PL" dirty="0"/>
-              <a:t>). Od marca 2015 roku </a:t>
-            </a:r>
-            <a:r>
-              <a:rPr lang="pl-PL" dirty="0" err="1"/>
-              <a:t>Laravel</a:t>
-            </a:r>
-            <a:r>
-              <a:rPr lang="pl-PL" dirty="0"/>
-              <a:t> jest uważany za jeden z najpopularniejszych </a:t>
-            </a:r>
-            <a:r>
-              <a:rPr lang="pl-PL" dirty="0" err="1"/>
-              <a:t>frameworków</a:t>
-            </a:r>
-            <a:r>
-              <a:rPr lang="pl-PL" dirty="0"/>
-              <a:t> PHP.</a:t>
-            </a:r>
-          </a:p>
-          <a:p>
-            <a:pPr marL="0" indent="0">
-              <a:buNone/>
-            </a:pPr>
-            <a:r>
-              <a:rPr lang="pl-PL" dirty="0"/>
-              <a:t>Jego kluczowe cechy to możliwość dostępu do relacyjnych baz na kilka sposobów, a także modułowy system paczek z dedykowanym menadżerem zależności.</a:t>
+              <a:t> w Google. Vue koncentruje się na ułatwieniu tworzenia interfejsu użytkownika poprzez komponenty, będące częściami strony,  które w prosty sposób można umieścić w aplikacji.</a:t>
             </a:r>
           </a:p>
         </p:txBody>
       </p:sp>
       <p:pic>
         <p:nvPicPr>
-          <p:cNvPr id="1028" name="Picture 4" descr="Znalezione obrazy dla zapytania laravel 5 icon">
+          <p:cNvPr id="2052" name="Picture 4" descr="File:Vue.js Logo.svg">
             <a:extLst>
               <a:ext uri="{FF2B5EF4-FFF2-40B4-BE49-F238E27FC236}">
-                <a16:creationId xmlns:a16="http://schemas.microsoft.com/office/drawing/2014/main" id="{E8EDD29B-B37E-498C-895D-A9D24780C86C}"/>
+                <a16:creationId xmlns:a16="http://schemas.microsoft.com/office/drawing/2014/main" id="{4D651D9B-2ADE-4271-B7AE-40CAAA755A40}"/>
               </a:ext>
             </a:extLst>
           </p:cNvPr>
@@ -6289,7 +8729,7 @@
           <p:nvPr/>
         </p:nvPicPr>
         <p:blipFill>
-          <a:blip r:embed="rId2">
+          <a:blip r:embed="rId3">
             <a:extLst>
               <a:ext uri="{28A0092B-C50C-407E-A947-70E740481C1C}">
                 <a14:useLocalDpi xmlns:a14="http://schemas.microsoft.com/office/drawing/2010/main" val="0"/>
@@ -6303,8 +8743,8 @@
         </p:blipFill>
         <p:spPr bwMode="auto">
           <a:xfrm>
-            <a:off x="6927124" y="1853248"/>
-            <a:ext cx="4507019" cy="3084163"/>
+            <a:off x="6891129" y="1357301"/>
+            <a:ext cx="4654759" cy="4654759"/>
           </a:xfrm>
           <a:prstGeom prst="rect">
             <a:avLst/>
@@ -6324,7 +8764,7 @@
     </p:spTree>
     <p:extLst>
       <p:ext uri="{BB962C8B-B14F-4D97-AF65-F5344CB8AC3E}">
-        <p14:creationId xmlns:p14="http://schemas.microsoft.com/office/powerpoint/2010/main" val="4171086305"/>
+        <p14:creationId xmlns:p14="http://schemas.microsoft.com/office/powerpoint/2010/main" val="3821397444"/>
       </p:ext>
     </p:extLst>
   </p:cSld>
@@ -6356,7 +8796,7 @@
           <p:cNvPr id="2" name="Tytuł 1">
             <a:extLst>
               <a:ext uri="{FF2B5EF4-FFF2-40B4-BE49-F238E27FC236}">
-                <a16:creationId xmlns:a16="http://schemas.microsoft.com/office/drawing/2014/main" id="{9F724E2B-EFE2-4B8E-9FF5-29790B21E4C1}"/>
+                <a16:creationId xmlns:a16="http://schemas.microsoft.com/office/drawing/2014/main" id="{BB0BC713-A89F-4919-881F-FE5A077AC295}"/>
               </a:ext>
             </a:extLst>
           </p:cNvPr>
@@ -6384,7 +8824,7 @@
           <p:cNvPr id="3" name="Symbol zastępczy zawartości 2">
             <a:extLst>
               <a:ext uri="{FF2B5EF4-FFF2-40B4-BE49-F238E27FC236}">
-                <a16:creationId xmlns:a16="http://schemas.microsoft.com/office/drawing/2014/main" id="{3E7A18FF-56E3-47DB-94C0-324BF396151B}"/>
+                <a16:creationId xmlns:a16="http://schemas.microsoft.com/office/drawing/2014/main" id="{12591F96-F1D2-4E5E-A386-1F07D8509DF3}"/>
               </a:ext>
             </a:extLst>
           </p:cNvPr>
@@ -6398,87 +8838,60 @@
         <p:spPr/>
         <p:txBody>
           <a:bodyPr>
-            <a:normAutofit fontScale="92500" lnSpcReduction="20000"/>
+            <a:normAutofit/>
           </a:bodyPr>
           <a:lstStyle/>
           <a:p>
             <a:r>
               <a:rPr lang="pl-PL" dirty="0"/>
-              <a:t>Łatwy do nauki. Dokumentacja jest napisana w przystępny sposób. Dodatkowo łatwo znaleźć potrzebne informacje. </a:t>
+              <a:t>Lekkość. </a:t>
             </a:r>
           </a:p>
           <a:p>
             <a:r>
               <a:rPr lang="pl-PL" dirty="0"/>
-              <a:t>Duża społeczność</a:t>
+              <a:t>System komponentów. </a:t>
             </a:r>
           </a:p>
           <a:p>
             <a:r>
               <a:rPr lang="pl-PL" dirty="0"/>
-              <a:t>Wsparcie dla </a:t>
-            </a:r>
-            <a:r>
-              <a:rPr lang="pl-PL" dirty="0" err="1"/>
-              <a:t>Eloquent</a:t>
-            </a:r>
+              <a:t>Łatwa integracja z innymi rozwiązaniami.</a:t>
+            </a:r>
+          </a:p>
+          <a:p>
             <a:r>
               <a:rPr lang="pl-PL" dirty="0"/>
-              <a:t> ORM. Zapewnia prostą implementację </a:t>
-            </a:r>
-            <a:r>
-              <a:rPr lang="pl-PL" dirty="0" err="1"/>
-              <a:t>ActiveRecord</a:t>
-            </a:r>
+              <a:t>Obszerna i dobrze napisana dokumentacja.</a:t>
+            </a:r>
+          </a:p>
+          <a:p>
             <a:r>
               <a:rPr lang="pl-PL" dirty="0"/>
-              <a:t> do pracy z bazą danych. Każda tabela bazy danych ma odpowiedni "Model", który służy do interakcji z tą tabelą.</a:t>
+              <a:t>Moduły.</a:t>
             </a:r>
           </a:p>
           <a:p>
             <a:r>
               <a:rPr lang="pl-PL" dirty="0"/>
-              <a:t>Silnik szablonów blade. Prosty ale potężny. W odróżnieniu od wieli silników szablonów pozwala na używanie czystego kodu PHP w widoku.</a:t>
-            </a:r>
-          </a:p>
-          <a:p>
-            <a:r>
-              <a:rPr lang="pl-PL" dirty="0"/>
-              <a:t>Modułowość.</a:t>
-            </a:r>
-          </a:p>
-          <a:p>
-            <a:r>
-              <a:rPr lang="pl-PL" dirty="0"/>
-              <a:t>Prostsza i bardziej intuicyjna struktura niż inne </a:t>
-            </a:r>
-            <a:r>
-              <a:rPr lang="pl-PL" dirty="0" err="1"/>
-              <a:t>frameworki</a:t>
-            </a:r>
-            <a:r>
-              <a:rPr lang="pl-PL" dirty="0"/>
-              <a:t> PHP</a:t>
-            </a:r>
-          </a:p>
-          <a:p>
-            <a:r>
-              <a:rPr lang="pl-PL" dirty="0"/>
-              <a:t>Wbudowany system autentykacji, pozwalający w kilka chwil dodać do strony funkcjonalność rejestracji i logowania.</a:t>
-            </a:r>
-          </a:p>
-          <a:p>
-            <a:r>
-              <a:rPr lang="pl-PL" dirty="0"/>
-              <a:t>Duża ilość modułów ułatwiających tworzenie aplikacji.</a:t>
-            </a:r>
+              <a:t>Elastyczność.</a:t>
+            </a:r>
+          </a:p>
+          <a:p>
+            <a:endParaRPr lang="pl-PL" dirty="0"/>
+          </a:p>
+          <a:p>
+            <a:endParaRPr lang="pl-PL" dirty="0"/>
+          </a:p>
+          <a:p>
+            <a:endParaRPr lang="pl-PL" dirty="0"/>
           </a:p>
         </p:txBody>
       </p:sp>
     </p:spTree>
     <p:extLst>
       <p:ext uri="{BB962C8B-B14F-4D97-AF65-F5344CB8AC3E}">
-        <p14:creationId xmlns:p14="http://schemas.microsoft.com/office/powerpoint/2010/main" val="3572120732"/>
+        <p14:creationId xmlns:p14="http://schemas.microsoft.com/office/powerpoint/2010/main" val="262650558"/>
       </p:ext>
     </p:extLst>
   </p:cSld>
@@ -6510,7 +8923,7 @@
           <p:cNvPr id="2" name="Tytuł 1">
             <a:extLst>
               <a:ext uri="{FF2B5EF4-FFF2-40B4-BE49-F238E27FC236}">
-                <a16:creationId xmlns:a16="http://schemas.microsoft.com/office/drawing/2014/main" id="{28CEB68A-F969-4BA0-9D67-8D2DC6CFAD6B}"/>
+                <a16:creationId xmlns:a16="http://schemas.microsoft.com/office/drawing/2014/main" id="{28F03C81-B15E-4E47-99D7-A168D9957E21}"/>
               </a:ext>
             </a:extLst>
           </p:cNvPr>
@@ -6528,7 +8941,7 @@
           <a:p>
             <a:r>
               <a:rPr lang="pl-PL" dirty="0"/>
-              <a:t>Wady</a:t>
+              <a:t>Przykładowy kod komponentu</a:t>
             </a:r>
           </a:p>
         </p:txBody>
@@ -6538,7 +8951,7 @@
           <p:cNvPr id="3" name="Symbol zastępczy zawartości 2">
             <a:extLst>
               <a:ext uri="{FF2B5EF4-FFF2-40B4-BE49-F238E27FC236}">
-                <a16:creationId xmlns:a16="http://schemas.microsoft.com/office/drawing/2014/main" id="{3E686F0B-A6AC-4257-88D3-21FF72144182}"/>
+                <a16:creationId xmlns:a16="http://schemas.microsoft.com/office/drawing/2014/main" id="{53352367-B34E-4904-A312-B08B464C1332}"/>
               </a:ext>
             </a:extLst>
           </p:cNvPr>
@@ -6554,33 +8967,147 @@
           <a:bodyPr/>
           <a:lstStyle/>
           <a:p>
+            <a:pPr marL="0" indent="0">
+              <a:buNone/>
+            </a:pPr>
+            <a:r>
+              <a:rPr lang="pl-PL" dirty="0"/>
+              <a:t>&lt;div id="</a:t>
+            </a:r>
             <a:r>
               <a:rPr lang="pl-PL" dirty="0" err="1"/>
-              <a:t>Deploy</a:t>
+              <a:t>app</a:t>
             </a:r>
             <a:r>
               <a:rPr lang="pl-PL" dirty="0"/>
-              <a:t> aplikacji na współdzielonym serwerze bywa problematyczny.</a:t>
-            </a:r>
-          </a:p>
-          <a:p>
+              <a:t>"&gt;</a:t>
+            </a:r>
+          </a:p>
+          <a:p>
+            <a:pPr marL="0" indent="0">
+              <a:buNone/>
+            </a:pPr>
             <a:r>
               <a:rPr lang="pl-PL" dirty="0"/>
-              <a:t>Brak wbudowanego wsparcia dla systemów płatności.</a:t>
-            </a:r>
-          </a:p>
-          <a:p>
+              <a:t>  {{ </a:t>
+            </a:r>
+            <a:r>
+              <a:rPr lang="pl-PL" dirty="0" err="1"/>
+              <a:t>message</a:t>
+            </a:r>
             <a:r>
               <a:rPr lang="pl-PL" dirty="0"/>
-              <a:t>Często pojawiające się nowe wersje. Aktualizacja do nich może popsuć aplikacje.</a:t>
-            </a:r>
+              <a:t> }}</a:t>
+            </a:r>
+          </a:p>
+          <a:p>
+            <a:pPr marL="0" indent="0">
+              <a:buNone/>
+            </a:pPr>
+            <a:r>
+              <a:rPr lang="pl-PL" dirty="0"/>
+              <a:t>&lt;/div&gt;</a:t>
+            </a:r>
+          </a:p>
+          <a:p>
+            <a:pPr marL="0" indent="0">
+              <a:buNone/>
+            </a:pPr>
+            <a:r>
+              <a:rPr lang="pl-PL" dirty="0" err="1"/>
+              <a:t>var</a:t>
+            </a:r>
+            <a:r>
+              <a:rPr lang="pl-PL" dirty="0"/>
+              <a:t> </a:t>
+            </a:r>
+            <a:r>
+              <a:rPr lang="pl-PL" dirty="0" err="1"/>
+              <a:t>app</a:t>
+            </a:r>
+            <a:r>
+              <a:rPr lang="pl-PL" dirty="0"/>
+              <a:t> = </a:t>
+            </a:r>
+            <a:r>
+              <a:rPr lang="pl-PL" dirty="0" err="1"/>
+              <a:t>new</a:t>
+            </a:r>
+            <a:r>
+              <a:rPr lang="pl-PL" dirty="0"/>
+              <a:t> Vue({</a:t>
+            </a:r>
+          </a:p>
+          <a:p>
+            <a:pPr marL="0" indent="0">
+              <a:buNone/>
+            </a:pPr>
+            <a:r>
+              <a:rPr lang="pl-PL" dirty="0"/>
+              <a:t>  el: '#</a:t>
+            </a:r>
+            <a:r>
+              <a:rPr lang="pl-PL" dirty="0" err="1"/>
+              <a:t>app</a:t>
+            </a:r>
+            <a:r>
+              <a:rPr lang="pl-PL" dirty="0"/>
+              <a:t>',</a:t>
+            </a:r>
+          </a:p>
+          <a:p>
+            <a:pPr marL="0" indent="0">
+              <a:buNone/>
+            </a:pPr>
+            <a:r>
+              <a:rPr lang="pl-PL" dirty="0"/>
+              <a:t>  data: {</a:t>
+            </a:r>
+          </a:p>
+          <a:p>
+            <a:pPr marL="0" indent="0">
+              <a:buNone/>
+            </a:pPr>
+            <a:r>
+              <a:rPr lang="pl-PL" dirty="0"/>
+              <a:t>    </a:t>
+            </a:r>
+            <a:r>
+              <a:rPr lang="pl-PL" dirty="0" err="1"/>
+              <a:t>message</a:t>
+            </a:r>
+            <a:r>
+              <a:rPr lang="pl-PL" dirty="0"/>
+              <a:t>: 'Hello Vue!'</a:t>
+            </a:r>
+          </a:p>
+          <a:p>
+            <a:pPr marL="0" indent="0">
+              <a:buNone/>
+            </a:pPr>
+            <a:r>
+              <a:rPr lang="pl-PL" dirty="0"/>
+              <a:t>  }</a:t>
+            </a:r>
+          </a:p>
+          <a:p>
+            <a:pPr marL="0" indent="0">
+              <a:buNone/>
+            </a:pPr>
+            <a:r>
+              <a:rPr lang="pl-PL" dirty="0"/>
+              <a:t>})</a:t>
+            </a:r>
+          </a:p>
+          <a:p>
+            <a:endParaRPr lang="pl-PL" dirty="0"/>
           </a:p>
         </p:txBody>
       </p:sp>
     </p:spTree>
     <p:extLst>
       <p:ext uri="{BB962C8B-B14F-4D97-AF65-F5344CB8AC3E}">
-        <p14:creationId xmlns:p14="http://schemas.microsoft.com/office/powerpoint/2010/main" val="2535969751"/>
+        <p14:creationId xmlns:p14="http://schemas.microsoft.com/office/powerpoint/2010/main" val="2338780609"/>
       </p:ext>
     </p:extLst>
   </p:cSld>
@@ -6612,7 +9139,7 @@
           <p:cNvPr id="2" name="Tytuł 1">
             <a:extLst>
               <a:ext uri="{FF2B5EF4-FFF2-40B4-BE49-F238E27FC236}">
-                <a16:creationId xmlns:a16="http://schemas.microsoft.com/office/drawing/2014/main" id="{912B5AAF-5124-4F0D-9EB9-53F4F2EFAAB8}"/>
+                <a16:creationId xmlns:a16="http://schemas.microsoft.com/office/drawing/2014/main" id="{428D1852-3C36-46D8-891D-59E8CB664978}"/>
               </a:ext>
             </a:extLst>
           </p:cNvPr>
@@ -6629,155 +9156,50 @@
           <a:lstStyle/>
           <a:p>
             <a:r>
-              <a:rPr lang="pl-PL" b="1" dirty="0"/>
-              <a:t>Vue.js</a:t>
-            </a:r>
-            <a:endParaRPr lang="pl-PL" dirty="0"/>
-          </a:p>
-        </p:txBody>
-      </p:sp>
-      <p:sp>
-        <p:nvSpPr>
-          <p:cNvPr id="4" name="pole tekstowe 3">
+              <a:rPr lang="pl-PL" dirty="0"/>
+              <a:t>Wady</a:t>
+            </a:r>
+          </a:p>
+        </p:txBody>
+      </p:sp>
+      <p:sp>
+        <p:nvSpPr>
+          <p:cNvPr id="3" name="Symbol zastępczy zawartości 2">
             <a:extLst>
               <a:ext uri="{FF2B5EF4-FFF2-40B4-BE49-F238E27FC236}">
-                <a16:creationId xmlns:a16="http://schemas.microsoft.com/office/drawing/2014/main" id="{ABC2F6B2-DEA2-40A6-B1E2-CF4A27FE0A07}"/>
+                <a16:creationId xmlns:a16="http://schemas.microsoft.com/office/drawing/2014/main" id="{B64ECD84-7E7E-4820-ABB8-9081D32D227E}"/>
               </a:ext>
             </a:extLst>
           </p:cNvPr>
-          <p:cNvSpPr txBox="1"/>
-          <p:nvPr/>
-        </p:nvSpPr>
-        <p:spPr>
-          <a:xfrm>
-            <a:off x="1179443" y="1987825"/>
-            <a:ext cx="5711687" cy="2862322"/>
-          </a:xfrm>
-          <a:prstGeom prst="rect">
-            <a:avLst/>
-          </a:prstGeom>
-          <a:noFill/>
-        </p:spPr>
-        <p:txBody>
-          <a:bodyPr wrap="square" rtlCol="0">
-            <a:spAutoFit/>
-          </a:bodyPr>
+          <p:cNvSpPr>
+            <a:spLocks noGrp="1"/>
+          </p:cNvSpPr>
+          <p:nvPr>
+            <p:ph idx="1"/>
+          </p:nvPr>
+        </p:nvSpPr>
+        <p:spPr/>
+        <p:txBody>
+          <a:bodyPr/>
           <a:lstStyle/>
           <a:p>
             <a:r>
               <a:rPr lang="pl-PL" dirty="0"/>
-              <a:t>Vue.js to open-</a:t>
-            </a:r>
-            <a:r>
-              <a:rPr lang="pl-PL" dirty="0" err="1"/>
-              <a:t>sourceowy</a:t>
-            </a:r>
+              <a:t>Mała, często nieanglojęzyczna  społeczność.</a:t>
+            </a:r>
+          </a:p>
+          <a:p>
             <a:r>
               <a:rPr lang="pl-PL" dirty="0"/>
-              <a:t> progresywny </a:t>
-            </a:r>
-            <a:r>
-              <a:rPr lang="pl-PL" dirty="0" err="1"/>
-              <a:t>framework</a:t>
-            </a:r>
-            <a:r>
-              <a:rPr lang="pl-PL" dirty="0"/>
-              <a:t> JavaScript do budowania interfejsów użytkownika. Został stworzony przez </a:t>
-            </a:r>
-            <a:r>
-              <a:rPr lang="pl-PL" dirty="0" err="1"/>
-              <a:t>Evan’a</a:t>
-            </a:r>
-            <a:r>
-              <a:rPr lang="pl-PL" dirty="0"/>
-              <a:t> </a:t>
-            </a:r>
-            <a:r>
-              <a:rPr lang="pl-PL" dirty="0" err="1"/>
-              <a:t>You</a:t>
-            </a:r>
-            <a:r>
-              <a:rPr lang="pl-PL" dirty="0"/>
-              <a:t>. Pomysł stworzenia Vue był efektem pracy z </a:t>
-            </a:r>
-            <a:r>
-              <a:rPr lang="pl-PL" dirty="0" err="1"/>
-              <a:t>Angularem</a:t>
-            </a:r>
-            <a:r>
-              <a:rPr lang="pl-PL" dirty="0"/>
-              <a:t> w Google. Evan wyciągnął wszystko co lubił w </a:t>
-            </a:r>
-            <a:r>
-              <a:rPr lang="pl-PL" dirty="0" err="1"/>
-              <a:t>Angularze</a:t>
-            </a:r>
-            <a:r>
-              <a:rPr lang="pl-PL" dirty="0"/>
-              <a:t> i stworzy nowy lekki i szybki </a:t>
-            </a:r>
-            <a:r>
-              <a:rPr lang="pl-PL" dirty="0" err="1"/>
-              <a:t>framework</a:t>
-            </a:r>
-            <a:r>
-              <a:rPr lang="pl-PL" dirty="0"/>
-              <a:t>. Vue koncentruje się na ułatwieniu tworzenia interfejsu użytkownika poprzez komponenty, będące częściami strony,  które w prosty sposób można umieścić w aplikacji.</a:t>
-            </a:r>
-          </a:p>
-        </p:txBody>
-      </p:sp>
-      <p:pic>
-        <p:nvPicPr>
-          <p:cNvPr id="2052" name="Picture 4" descr="File:Vue.js Logo.svg">
-            <a:extLst>
-              <a:ext uri="{FF2B5EF4-FFF2-40B4-BE49-F238E27FC236}">
-                <a16:creationId xmlns:a16="http://schemas.microsoft.com/office/drawing/2014/main" id="{4D651D9B-2ADE-4271-B7AE-40CAAA755A40}"/>
-              </a:ext>
-            </a:extLst>
-          </p:cNvPr>
-          <p:cNvPicPr>
-            <a:picLocks noChangeAspect="1" noChangeArrowheads="1"/>
-          </p:cNvPicPr>
-          <p:nvPr/>
-        </p:nvPicPr>
-        <p:blipFill>
-          <a:blip r:embed="rId2">
-            <a:extLst>
-              <a:ext uri="{28A0092B-C50C-407E-A947-70E740481C1C}">
-                <a14:useLocalDpi xmlns:a14="http://schemas.microsoft.com/office/drawing/2010/main" val="0"/>
-              </a:ext>
-            </a:extLst>
-          </a:blip>
-          <a:srcRect/>
-          <a:stretch>
-            <a:fillRect/>
-          </a:stretch>
-        </p:blipFill>
-        <p:spPr bwMode="auto">
-          <a:xfrm>
-            <a:off x="6891129" y="1357301"/>
-            <a:ext cx="4654759" cy="4654759"/>
-          </a:xfrm>
-          <a:prstGeom prst="rect">
-            <a:avLst/>
-          </a:prstGeom>
-          <a:noFill/>
-          <a:extLst>
-            <a:ext uri="{909E8E84-426E-40DD-AFC4-6F175D3DCCD1}">
-              <a14:hiddenFill xmlns:a14="http://schemas.microsoft.com/office/drawing/2010/main">
-                <a:solidFill>
-                  <a:srgbClr val="FFFFFF"/>
-                </a:solidFill>
-              </a14:hiddenFill>
-            </a:ext>
-          </a:extLst>
-        </p:spPr>
-      </p:pic>
+              <a:t>Mała popularność.</a:t>
+            </a:r>
+          </a:p>
+        </p:txBody>
+      </p:sp>
     </p:spTree>
     <p:extLst>
       <p:ext uri="{BB962C8B-B14F-4D97-AF65-F5344CB8AC3E}">
-        <p14:creationId xmlns:p14="http://schemas.microsoft.com/office/powerpoint/2010/main" val="3821397444"/>
+        <p14:creationId xmlns:p14="http://schemas.microsoft.com/office/powerpoint/2010/main" val="3949991639"/>
       </p:ext>
     </p:extLst>
   </p:cSld>
@@ -6809,7 +9231,7 @@
           <p:cNvPr id="2" name="Tytuł 1">
             <a:extLst>
               <a:ext uri="{FF2B5EF4-FFF2-40B4-BE49-F238E27FC236}">
-                <a16:creationId xmlns:a16="http://schemas.microsoft.com/office/drawing/2014/main" id="{BB0BC713-A89F-4919-881F-FE5A077AC295}"/>
+                <a16:creationId xmlns:a16="http://schemas.microsoft.com/office/drawing/2014/main" id="{FFA21FC7-8B79-4E19-AA14-FC34AB9798A2}"/>
               </a:ext>
             </a:extLst>
           </p:cNvPr>
@@ -6826,9 +9248,10 @@
           <a:lstStyle/>
           <a:p>
             <a:r>
-              <a:rPr lang="pl-PL" dirty="0"/>
-              <a:t>Zalety</a:t>
-            </a:r>
+              <a:rPr lang="pl-PL" dirty="0" err="1"/>
+              <a:t>Laravel</a:t>
+            </a:r>
+            <a:endParaRPr lang="pl-PL" dirty="0"/>
           </a:p>
         </p:txBody>
       </p:sp>
@@ -6837,7 +9260,7 @@
           <p:cNvPr id="3" name="Symbol zastępczy zawartości 2">
             <a:extLst>
               <a:ext uri="{FF2B5EF4-FFF2-40B4-BE49-F238E27FC236}">
-                <a16:creationId xmlns:a16="http://schemas.microsoft.com/office/drawing/2014/main" id="{12591F96-F1D2-4E5E-A386-1F07D8509DF3}"/>
+                <a16:creationId xmlns:a16="http://schemas.microsoft.com/office/drawing/2014/main" id="{1B64C57A-8C7D-4EAB-82CC-07CE9507D751}"/>
               </a:ext>
             </a:extLst>
           </p:cNvPr>
@@ -6848,70 +9271,129 @@
             <p:ph idx="1"/>
           </p:nvPr>
         </p:nvSpPr>
-        <p:spPr/>
-        <p:txBody>
-          <a:bodyPr>
-            <a:normAutofit lnSpcReduction="10000"/>
-          </a:bodyPr>
+        <p:spPr>
+          <a:xfrm>
+            <a:off x="1103313" y="2052918"/>
+            <a:ext cx="5284236" cy="4195481"/>
+          </a:xfrm>
+        </p:spPr>
+        <p:txBody>
+          <a:bodyPr/>
           <a:lstStyle/>
           <a:p>
+            <a:pPr marL="0" indent="0">
+              <a:buNone/>
+            </a:pPr>
+            <a:r>
+              <a:rPr lang="pl-PL" dirty="0" err="1"/>
+              <a:t>Laravel</a:t>
+            </a:r>
             <a:r>
               <a:rPr lang="pl-PL" dirty="0"/>
-              <a:t>Mały rozmiar </a:t>
+              <a:t> jest darmowym </a:t>
             </a:r>
             <a:r>
               <a:rPr lang="pl-PL" dirty="0" err="1"/>
-              <a:t>frameworku</a:t>
+              <a:t>framworkiem</a:t>
             </a:r>
             <a:r>
               <a:rPr lang="pl-PL" dirty="0"/>
-              <a:t>. Główna cześć Vue potrzebna do jego uruchomienia waży tylko 18kB. </a:t>
-            </a:r>
-          </a:p>
-          <a:p>
+              <a:t> PHP stworzonym przez Taylora </a:t>
+            </a:r>
+            <a:r>
+              <a:rPr lang="pl-PL" dirty="0" err="1"/>
+              <a:t>Otwella</a:t>
+            </a:r>
             <a:r>
               <a:rPr lang="pl-PL" dirty="0"/>
-              <a:t>Prosty do zrozumienia i wykorzystywania.</a:t>
-            </a:r>
-          </a:p>
-          <a:p>
+              <a:t> przeznaczonym do tworzenia aplikacji webowych zgodnych z wzorcem MVC (model </a:t>
+            </a:r>
+            <a:r>
+              <a:rPr lang="pl-PL" dirty="0" err="1"/>
+              <a:t>view</a:t>
+            </a:r>
             <a:r>
               <a:rPr lang="pl-PL" dirty="0"/>
-              <a:t>Prosta integracja z istniejąca aplikacja. Ułatwia to idea komponentów , które zawierają logikę, style i strukturę danego kawałka interfejsu i mogą być wplatane w istniejące rozwiązania danej aplikacji.</a:t>
-            </a:r>
-          </a:p>
-          <a:p>
+              <a:t> </a:t>
+            </a:r>
+            <a:r>
+              <a:rPr lang="pl-PL" dirty="0" err="1"/>
+              <a:t>controller</a:t>
+            </a:r>
             <a:r>
               <a:rPr lang="pl-PL" dirty="0"/>
-              <a:t>Obszerna i dobrze napisana dokumentacja.</a:t>
-            </a:r>
-          </a:p>
-          <a:p>
+              <a:t>). </a:t>
+            </a:r>
+            <a:r>
+              <a:rPr lang="pl-PL" dirty="0" err="1"/>
+              <a:t>Laravel</a:t>
+            </a:r>
             <a:r>
               <a:rPr lang="pl-PL" dirty="0"/>
-              <a:t>Elastyczność. Głowna biblioteka Vue koncentruje się na </a:t>
+              <a:t> jest uważany za jeden z najpopularniejszych </a:t>
             </a:r>
             <a:r>
               <a:rPr lang="pl-PL" dirty="0" err="1"/>
-              <a:t>renderowaniu</a:t>
+              <a:t>frameworków</a:t>
             </a:r>
             <a:r>
               <a:rPr lang="pl-PL" dirty="0"/>
-              <a:t> deklaratywnym i łączeniu komponentów i może być osadzona w istniejących aplikacjach. Dostępne są również moduły, które pozwalają na budowanie całych aplikacji webowych za pomocą Vue.</a:t>
-            </a:r>
-          </a:p>
-          <a:p>
-            <a:endParaRPr lang="pl-PL" dirty="0"/>
-          </a:p>
-          <a:p>
-            <a:endParaRPr lang="pl-PL" dirty="0"/>
-          </a:p>
-        </p:txBody>
-      </p:sp>
+              <a:t> PHP.</a:t>
+            </a:r>
+          </a:p>
+        </p:txBody>
+      </p:sp>
+      <p:pic>
+        <p:nvPicPr>
+          <p:cNvPr id="1028" name="Picture 4" descr="Znalezione obrazy dla zapytania laravel 5 icon">
+            <a:extLst>
+              <a:ext uri="{FF2B5EF4-FFF2-40B4-BE49-F238E27FC236}">
+                <a16:creationId xmlns:a16="http://schemas.microsoft.com/office/drawing/2014/main" id="{E8EDD29B-B37E-498C-895D-A9D24780C86C}"/>
+              </a:ext>
+            </a:extLst>
+          </p:cNvPr>
+          <p:cNvPicPr>
+            <a:picLocks noChangeAspect="1" noChangeArrowheads="1"/>
+          </p:cNvPicPr>
+          <p:nvPr/>
+        </p:nvPicPr>
+        <p:blipFill>
+          <a:blip r:embed="rId3">
+            <a:extLst>
+              <a:ext uri="{28A0092B-C50C-407E-A947-70E740481C1C}">
+                <a14:useLocalDpi xmlns:a14="http://schemas.microsoft.com/office/drawing/2010/main" val="0"/>
+              </a:ext>
+            </a:extLst>
+          </a:blip>
+          <a:srcRect/>
+          <a:stretch>
+            <a:fillRect/>
+          </a:stretch>
+        </p:blipFill>
+        <p:spPr bwMode="auto">
+          <a:xfrm>
+            <a:off x="6927124" y="1853248"/>
+            <a:ext cx="4507019" cy="3084163"/>
+          </a:xfrm>
+          <a:prstGeom prst="rect">
+            <a:avLst/>
+          </a:prstGeom>
+          <a:noFill/>
+          <a:extLst>
+            <a:ext uri="{909E8E84-426E-40DD-AFC4-6F175D3DCCD1}">
+              <a14:hiddenFill xmlns:a14="http://schemas.microsoft.com/office/drawing/2010/main">
+                <a:solidFill>
+                  <a:srgbClr val="FFFFFF"/>
+                </a:solidFill>
+              </a14:hiddenFill>
+            </a:ext>
+          </a:extLst>
+        </p:spPr>
+      </p:pic>
     </p:spTree>
     <p:extLst>
       <p:ext uri="{BB962C8B-B14F-4D97-AF65-F5344CB8AC3E}">
-        <p14:creationId xmlns:p14="http://schemas.microsoft.com/office/powerpoint/2010/main" val="262650558"/>
+        <p14:creationId xmlns:p14="http://schemas.microsoft.com/office/powerpoint/2010/main" val="4171086305"/>
       </p:ext>
     </p:extLst>
   </p:cSld>
@@ -6943,7 +9425,7 @@
           <p:cNvPr id="2" name="Tytuł 1">
             <a:extLst>
               <a:ext uri="{FF2B5EF4-FFF2-40B4-BE49-F238E27FC236}">
-                <a16:creationId xmlns:a16="http://schemas.microsoft.com/office/drawing/2014/main" id="{428D1852-3C36-46D8-891D-59E8CB664978}"/>
+                <a16:creationId xmlns:a16="http://schemas.microsoft.com/office/drawing/2014/main" id="{9F724E2B-EFE2-4B8E-9FF5-29790B21E4C1}"/>
               </a:ext>
             </a:extLst>
           </p:cNvPr>
@@ -6961,7 +9443,7 @@
           <a:p>
             <a:r>
               <a:rPr lang="pl-PL" dirty="0"/>
-              <a:t>Wady</a:t>
+              <a:t>Zalety</a:t>
             </a:r>
           </a:p>
         </p:txBody>
@@ -6971,7 +9453,7 @@
           <p:cNvPr id="3" name="Symbol zastępczy zawartości 2">
             <a:extLst>
               <a:ext uri="{FF2B5EF4-FFF2-40B4-BE49-F238E27FC236}">
-                <a16:creationId xmlns:a16="http://schemas.microsoft.com/office/drawing/2014/main" id="{B64ECD84-7E7E-4820-ABB8-9081D32D227E}"/>
+                <a16:creationId xmlns:a16="http://schemas.microsoft.com/office/drawing/2014/main" id="{3E7A18FF-56E3-47DB-94C0-324BF396151B}"/>
               </a:ext>
             </a:extLst>
           </p:cNvPr>
@@ -6984,53 +9466,104 @@
         </p:nvSpPr>
         <p:spPr/>
         <p:txBody>
-          <a:bodyPr/>
+          <a:bodyPr>
+            <a:normAutofit fontScale="92500" lnSpcReduction="20000"/>
+          </a:bodyPr>
           <a:lstStyle/>
           <a:p>
             <a:r>
+              <a:rPr lang="pl-PL" dirty="0" err="1"/>
+              <a:t>Dokumntacja</a:t>
+            </a:r>
+            <a:r>
               <a:rPr lang="pl-PL" dirty="0"/>
-              <a:t>Nie ma tak szerokiego wsparcia dla innych </a:t>
-            </a:r>
+              <a:t>. </a:t>
+            </a:r>
+          </a:p>
+          <a:p>
+            <a:r>
+              <a:rPr lang="pl-PL" dirty="0"/>
+              <a:t>Duża społeczność.</a:t>
+            </a:r>
+          </a:p>
+          <a:p>
+            <a:r>
+              <a:rPr lang="pl-PL" dirty="0"/>
+              <a:t>Wbudowane zabezpieczenie CSRF.</a:t>
+            </a:r>
+          </a:p>
+          <a:p>
             <a:r>
               <a:rPr lang="pl-PL" dirty="0" err="1"/>
-              <a:t>frameworków</a:t>
+              <a:t>Eloquent</a:t>
             </a:r>
             <a:r>
               <a:rPr lang="pl-PL" dirty="0"/>
-              <a:t> jak </a:t>
+              <a:t> ORM zapewniający implementację </a:t>
             </a:r>
             <a:r>
               <a:rPr lang="pl-PL" dirty="0" err="1"/>
-              <a:t>Angular</a:t>
+              <a:t>ActiveRecord</a:t>
             </a:r>
             <a:r>
               <a:rPr lang="pl-PL" dirty="0"/>
-              <a:t> albo </a:t>
-            </a:r>
-            <a:r>
-              <a:rPr lang="pl-PL" dirty="0" err="1"/>
-              <a:t>React</a:t>
-            </a:r>
+              <a:t>.</a:t>
+            </a:r>
+          </a:p>
+          <a:p>
+            <a:r>
+              <a:rPr lang="pl-PL" dirty="0"/>
+              <a:t>Silnik szablonów blade.</a:t>
+            </a:r>
+          </a:p>
+          <a:p>
+            <a:r>
+              <a:rPr lang="pl-PL" dirty="0"/>
+              <a:t>Wbudowany system walidacji.</a:t>
+            </a:r>
+          </a:p>
+          <a:p>
+            <a:r>
+              <a:rPr lang="pl-PL" dirty="0"/>
+              <a:t>Budowanie aplikacji wielojęzykowych.</a:t>
+            </a:r>
+          </a:p>
+          <a:p>
+            <a:r>
+              <a:rPr lang="pl-PL" dirty="0"/>
+              <a:t>Modułowość. </a:t>
+            </a:r>
+          </a:p>
+          <a:p>
+            <a:r>
+              <a:rPr lang="pl-PL" dirty="0"/>
+              <a:t>Wbudowany routing.</a:t>
+            </a:r>
+          </a:p>
+          <a:p>
+            <a:r>
+              <a:rPr lang="pl-PL" dirty="0"/>
+              <a:t>System logowania.</a:t>
+            </a:r>
+          </a:p>
+          <a:p>
+            <a:r>
+              <a:rPr lang="pl-PL" dirty="0"/>
+              <a:t>Rozbudowana strona błędów.</a:t>
+            </a:r>
+          </a:p>
+          <a:p>
+            <a:pPr marL="0" indent="0">
+              <a:buNone/>
+            </a:pPr>
             <a:endParaRPr lang="pl-PL" dirty="0"/>
-          </a:p>
-          <a:p>
-            <a:r>
-              <a:rPr lang="pl-PL" dirty="0"/>
-              <a:t>Duża część programistów wykorzystujących Vue jest pochodzenia chińskiego. Stad duża cześć społeczności jest nieanglojęzyczna i czasami ciężko uzyskać potrzebne nam informacje.</a:t>
-            </a:r>
-          </a:p>
-          <a:p>
-            <a:r>
-              <a:rPr lang="pl-PL" dirty="0"/>
-              <a:t>Elastyczność vue czasami może sprawiać problemy dla programistów</a:t>
-            </a:r>
           </a:p>
         </p:txBody>
       </p:sp>
     </p:spTree>
     <p:extLst>
       <p:ext uri="{BB962C8B-B14F-4D97-AF65-F5344CB8AC3E}">
-        <p14:creationId xmlns:p14="http://schemas.microsoft.com/office/powerpoint/2010/main" val="3949991639"/>
+        <p14:creationId xmlns:p14="http://schemas.microsoft.com/office/powerpoint/2010/main" val="3572120732"/>
       </p:ext>
     </p:extLst>
   </p:cSld>
@@ -7041,6 +9574,106 @@
 </file>
 
 <file path=ppt/slides/slide8.xml><?xml version="1.0" encoding="utf-8"?>
+<p:sld xmlns:a="http://schemas.openxmlformats.org/drawingml/2006/main" xmlns:r="http://schemas.openxmlformats.org/officeDocument/2006/relationships" xmlns:p="http://schemas.openxmlformats.org/presentationml/2006/main">
+  <p:cSld>
+    <p:spTree>
+      <p:nvGrpSpPr>
+        <p:cNvPr id="1" name=""/>
+        <p:cNvGrpSpPr/>
+        <p:nvPr/>
+      </p:nvGrpSpPr>
+      <p:grpSpPr>
+        <a:xfrm>
+          <a:off x="0" y="0"/>
+          <a:ext cx="0" cy="0"/>
+          <a:chOff x="0" y="0"/>
+          <a:chExt cx="0" cy="0"/>
+        </a:xfrm>
+      </p:grpSpPr>
+      <p:sp>
+        <p:nvSpPr>
+          <p:cNvPr id="2" name="Tytuł 1">
+            <a:extLst>
+              <a:ext uri="{FF2B5EF4-FFF2-40B4-BE49-F238E27FC236}">
+                <a16:creationId xmlns:a16="http://schemas.microsoft.com/office/drawing/2014/main" id="{28CEB68A-F969-4BA0-9D67-8D2DC6CFAD6B}"/>
+              </a:ext>
+            </a:extLst>
+          </p:cNvPr>
+          <p:cNvSpPr>
+            <a:spLocks noGrp="1"/>
+          </p:cNvSpPr>
+          <p:nvPr>
+            <p:ph type="title"/>
+          </p:nvPr>
+        </p:nvSpPr>
+        <p:spPr/>
+        <p:txBody>
+          <a:bodyPr/>
+          <a:lstStyle/>
+          <a:p>
+            <a:r>
+              <a:rPr lang="pl-PL" dirty="0"/>
+              <a:t>Wady</a:t>
+            </a:r>
+          </a:p>
+        </p:txBody>
+      </p:sp>
+      <p:sp>
+        <p:nvSpPr>
+          <p:cNvPr id="3" name="Symbol zastępczy zawartości 2">
+            <a:extLst>
+              <a:ext uri="{FF2B5EF4-FFF2-40B4-BE49-F238E27FC236}">
+                <a16:creationId xmlns:a16="http://schemas.microsoft.com/office/drawing/2014/main" id="{3E686F0B-A6AC-4257-88D3-21FF72144182}"/>
+              </a:ext>
+            </a:extLst>
+          </p:cNvPr>
+          <p:cNvSpPr>
+            <a:spLocks noGrp="1"/>
+          </p:cNvSpPr>
+          <p:nvPr>
+            <p:ph idx="1"/>
+          </p:nvPr>
+        </p:nvSpPr>
+        <p:spPr/>
+        <p:txBody>
+          <a:bodyPr/>
+          <a:lstStyle/>
+          <a:p>
+            <a:r>
+              <a:rPr lang="pl-PL" dirty="0"/>
+              <a:t>Problemy podczas aktualizacji </a:t>
+            </a:r>
+            <a:r>
+              <a:rPr lang="pl-PL" dirty="0" err="1"/>
+              <a:t>frameworka</a:t>
+            </a:r>
+            <a:r>
+              <a:rPr lang="pl-PL" dirty="0"/>
+              <a:t>.</a:t>
+            </a:r>
+          </a:p>
+          <a:p>
+            <a:r>
+              <a:rPr lang="pl-PL" dirty="0"/>
+              <a:t>Duże zmiany miedzy wersjami.</a:t>
+            </a:r>
+          </a:p>
+        </p:txBody>
+      </p:sp>
+    </p:spTree>
+    <p:extLst>
+      <p:ext uri="{BB962C8B-B14F-4D97-AF65-F5344CB8AC3E}">
+        <p14:creationId xmlns:p14="http://schemas.microsoft.com/office/powerpoint/2010/main" val="2535969751"/>
+      </p:ext>
+    </p:extLst>
+  </p:cSld>
+  <p:clrMapOvr>
+    <a:masterClrMapping/>
+  </p:clrMapOvr>
+</p:sld>
+</file>
+
+<file path=ppt/slides/slide9.xml><?xml version="1.0" encoding="utf-8"?>
 <p:sld xmlns:a="http://schemas.openxmlformats.org/drawingml/2006/main" xmlns:r="http://schemas.openxmlformats.org/officeDocument/2006/relationships" xmlns:p="http://schemas.openxmlformats.org/presentationml/2006/main">
   <p:cSld>
     <p:spTree>
@@ -7369,4 +10002,299 @@
     </a:ext>
   </a:extLst>
 </a:theme>
+</file>
+
+<file path=ppt/theme/theme2.xml><?xml version="1.0" encoding="utf-8"?>
+<a:theme xmlns:a="http://schemas.openxmlformats.org/drawingml/2006/main" name="Motyw pakietu Office">
+  <a:themeElements>
+    <a:clrScheme name="Pakiet Office">
+      <a:dk1>
+        <a:sysClr val="windowText" lastClr="000000"/>
+      </a:dk1>
+      <a:lt1>
+        <a:sysClr val="window" lastClr="FFFFFF"/>
+      </a:lt1>
+      <a:dk2>
+        <a:srgbClr val="44546A"/>
+      </a:dk2>
+      <a:lt2>
+        <a:srgbClr val="E7E6E6"/>
+      </a:lt2>
+      <a:accent1>
+        <a:srgbClr val="4472C4"/>
+      </a:accent1>
+      <a:accent2>
+        <a:srgbClr val="ED7D31"/>
+      </a:accent2>
+      <a:accent3>
+        <a:srgbClr val="A5A5A5"/>
+      </a:accent3>
+      <a:accent4>
+        <a:srgbClr val="FFC000"/>
+      </a:accent4>
+      <a:accent5>
+        <a:srgbClr val="5B9BD5"/>
+      </a:accent5>
+      <a:accent6>
+        <a:srgbClr val="70AD47"/>
+      </a:accent6>
+      <a:hlink>
+        <a:srgbClr val="0563C1"/>
+      </a:hlink>
+      <a:folHlink>
+        <a:srgbClr val="954F72"/>
+      </a:folHlink>
+    </a:clrScheme>
+    <a:fontScheme name="Pakiet Office">
+      <a:majorFont>
+        <a:latin typeface="Calibri Light" panose="020F0302020204030204"/>
+        <a:ea typeface=""/>
+        <a:cs typeface=""/>
+        <a:font script="Jpan" typeface="游ゴシック Light"/>
+        <a:font script="Hang" typeface="맑은 고딕"/>
+        <a:font script="Hans" typeface="等线 Light"/>
+        <a:font script="Hant" typeface="新細明體"/>
+        <a:font script="Arab" typeface="Times New Roman"/>
+        <a:font script="Hebr" typeface="Times New Roman"/>
+        <a:font script="Thai" typeface="Angsana New"/>
+        <a:font script="Ethi" typeface="Nyala"/>
+        <a:font script="Beng" typeface="Vrinda"/>
+        <a:font script="Gujr" typeface="Shruti"/>
+        <a:font script="Khmr" typeface="MoolBoran"/>
+        <a:font script="Knda" typeface="Tunga"/>
+        <a:font script="Guru" typeface="Raavi"/>
+        <a:font script="Cans" typeface="Euphemia"/>
+        <a:font script="Cher" typeface="Plantagenet Cherokee"/>
+        <a:font script="Yiii" typeface="Microsoft Yi Baiti"/>
+        <a:font script="Tibt" typeface="Microsoft Himalaya"/>
+        <a:font script="Thaa" typeface="MV Boli"/>
+        <a:font script="Deva" typeface="Mangal"/>
+        <a:font script="Telu" typeface="Gautami"/>
+        <a:font script="Taml" typeface="Latha"/>
+        <a:font script="Syrc" typeface="Estrangelo Edessa"/>
+        <a:font script="Orya" typeface="Kalinga"/>
+        <a:font script="Mlym" typeface="Kartika"/>
+        <a:font script="Laoo" typeface="DokChampa"/>
+        <a:font script="Sinh" typeface="Iskoola Pota"/>
+        <a:font script="Mong" typeface="Mongolian Baiti"/>
+        <a:font script="Viet" typeface="Times New Roman"/>
+        <a:font script="Uigh" typeface="Microsoft Uighur"/>
+        <a:font script="Geor" typeface="Sylfaen"/>
+        <a:font script="Armn" typeface="Arial"/>
+        <a:font script="Bugi" typeface="Leelawadee UI"/>
+        <a:font script="Bopo" typeface="Microsoft JhengHei"/>
+        <a:font script="Java" typeface="Javanese Text"/>
+        <a:font script="Lisu" typeface="Segoe UI"/>
+        <a:font script="Mymr" typeface="Myanmar Text"/>
+        <a:font script="Nkoo" typeface="Ebrima"/>
+        <a:font script="Olck" typeface="Nirmala UI"/>
+        <a:font script="Osma" typeface="Ebrima"/>
+        <a:font script="Phag" typeface="Phagspa"/>
+        <a:font script="Syrn" typeface="Estrangelo Edessa"/>
+        <a:font script="Syrj" typeface="Estrangelo Edessa"/>
+        <a:font script="Syre" typeface="Estrangelo Edessa"/>
+        <a:font script="Sora" typeface="Nirmala UI"/>
+        <a:font script="Tale" typeface="Microsoft Tai Le"/>
+        <a:font script="Talu" typeface="Microsoft New Tai Lue"/>
+        <a:font script="Tfng" typeface="Ebrima"/>
+      </a:majorFont>
+      <a:minorFont>
+        <a:latin typeface="Calibri" panose="020F0502020204030204"/>
+        <a:ea typeface=""/>
+        <a:cs typeface=""/>
+        <a:font script="Jpan" typeface="游ゴシック"/>
+        <a:font script="Hang" typeface="맑은 고딕"/>
+        <a:font script="Hans" typeface="等线"/>
+        <a:font script="Hant" typeface="新細明體"/>
+        <a:font script="Arab" typeface="Arial"/>
+        <a:font script="Hebr" typeface="Arial"/>
+        <a:font script="Thai" typeface="Cordia New"/>
+        <a:font script="Ethi" typeface="Nyala"/>
+        <a:font script="Beng" typeface="Vrinda"/>
+        <a:font script="Gujr" typeface="Shruti"/>
+        <a:font script="Khmr" typeface="DaunPenh"/>
+        <a:font script="Knda" typeface="Tunga"/>
+        <a:font script="Guru" typeface="Raavi"/>
+        <a:font script="Cans" typeface="Euphemia"/>
+        <a:font script="Cher" typeface="Plantagenet Cherokee"/>
+        <a:font script="Yiii" typeface="Microsoft Yi Baiti"/>
+        <a:font script="Tibt" typeface="Microsoft Himalaya"/>
+        <a:font script="Thaa" typeface="MV Boli"/>
+        <a:font script="Deva" typeface="Mangal"/>
+        <a:font script="Telu" typeface="Gautami"/>
+        <a:font script="Taml" typeface="Latha"/>
+        <a:font script="Syrc" typeface="Estrangelo Edessa"/>
+        <a:font script="Orya" typeface="Kalinga"/>
+        <a:font script="Mlym" typeface="Kartika"/>
+        <a:font script="Laoo" typeface="DokChampa"/>
+        <a:font script="Sinh" typeface="Iskoola Pota"/>
+        <a:font script="Mong" typeface="Mongolian Baiti"/>
+        <a:font script="Viet" typeface="Arial"/>
+        <a:font script="Uigh" typeface="Microsoft Uighur"/>
+        <a:font script="Geor" typeface="Sylfaen"/>
+        <a:font script="Armn" typeface="Arial"/>
+        <a:font script="Bugi" typeface="Leelawadee UI"/>
+        <a:font script="Bopo" typeface="Microsoft JhengHei"/>
+        <a:font script="Java" typeface="Javanese Text"/>
+        <a:font script="Lisu" typeface="Segoe UI"/>
+        <a:font script="Mymr" typeface="Myanmar Text"/>
+        <a:font script="Nkoo" typeface="Ebrima"/>
+        <a:font script="Olck" typeface="Nirmala UI"/>
+        <a:font script="Osma" typeface="Ebrima"/>
+        <a:font script="Phag" typeface="Phagspa"/>
+        <a:font script="Syrn" typeface="Estrangelo Edessa"/>
+        <a:font script="Syrj" typeface="Estrangelo Edessa"/>
+        <a:font script="Syre" typeface="Estrangelo Edessa"/>
+        <a:font script="Sora" typeface="Nirmala UI"/>
+        <a:font script="Tale" typeface="Microsoft Tai Le"/>
+        <a:font script="Talu" typeface="Microsoft New Tai Lue"/>
+        <a:font script="Tfng" typeface="Ebrima"/>
+      </a:minorFont>
+    </a:fontScheme>
+    <a:fmtScheme name="Pakiet Office">
+      <a:fillStyleLst>
+        <a:solidFill>
+          <a:schemeClr val="phClr"/>
+        </a:solidFill>
+        <a:gradFill rotWithShape="1">
+          <a:gsLst>
+            <a:gs pos="0">
+              <a:schemeClr val="phClr">
+                <a:lumMod val="110000"/>
+                <a:satMod val="105000"/>
+                <a:tint val="67000"/>
+              </a:schemeClr>
+            </a:gs>
+            <a:gs pos="50000">
+              <a:schemeClr val="phClr">
+                <a:lumMod val="105000"/>
+                <a:satMod val="103000"/>
+                <a:tint val="73000"/>
+              </a:schemeClr>
+            </a:gs>
+            <a:gs pos="100000">
+              <a:schemeClr val="phClr">
+                <a:lumMod val="105000"/>
+                <a:satMod val="109000"/>
+                <a:tint val="81000"/>
+              </a:schemeClr>
+            </a:gs>
+          </a:gsLst>
+          <a:lin ang="5400000" scaled="0"/>
+        </a:gradFill>
+        <a:gradFill rotWithShape="1">
+          <a:gsLst>
+            <a:gs pos="0">
+              <a:schemeClr val="phClr">
+                <a:satMod val="103000"/>
+                <a:lumMod val="102000"/>
+                <a:tint val="94000"/>
+              </a:schemeClr>
+            </a:gs>
+            <a:gs pos="50000">
+              <a:schemeClr val="phClr">
+                <a:satMod val="110000"/>
+                <a:lumMod val="100000"/>
+                <a:shade val="100000"/>
+              </a:schemeClr>
+            </a:gs>
+            <a:gs pos="100000">
+              <a:schemeClr val="phClr">
+                <a:lumMod val="99000"/>
+                <a:satMod val="120000"/>
+                <a:shade val="78000"/>
+              </a:schemeClr>
+            </a:gs>
+          </a:gsLst>
+          <a:lin ang="5400000" scaled="0"/>
+        </a:gradFill>
+      </a:fillStyleLst>
+      <a:lnStyleLst>
+        <a:ln w="6350" cap="flat" cmpd="sng" algn="ctr">
+          <a:solidFill>
+            <a:schemeClr val="phClr"/>
+          </a:solidFill>
+          <a:prstDash val="solid"/>
+          <a:miter lim="800000"/>
+        </a:ln>
+        <a:ln w="12700" cap="flat" cmpd="sng" algn="ctr">
+          <a:solidFill>
+            <a:schemeClr val="phClr"/>
+          </a:solidFill>
+          <a:prstDash val="solid"/>
+          <a:miter lim="800000"/>
+        </a:ln>
+        <a:ln w="19050" cap="flat" cmpd="sng" algn="ctr">
+          <a:solidFill>
+            <a:schemeClr val="phClr"/>
+          </a:solidFill>
+          <a:prstDash val="solid"/>
+          <a:miter lim="800000"/>
+        </a:ln>
+      </a:lnStyleLst>
+      <a:effectStyleLst>
+        <a:effectStyle>
+          <a:effectLst/>
+        </a:effectStyle>
+        <a:effectStyle>
+          <a:effectLst/>
+        </a:effectStyle>
+        <a:effectStyle>
+          <a:effectLst>
+            <a:outerShdw blurRad="57150" dist="19050" dir="5400000" algn="ctr" rotWithShape="0">
+              <a:srgbClr val="000000">
+                <a:alpha val="63000"/>
+              </a:srgbClr>
+            </a:outerShdw>
+          </a:effectLst>
+        </a:effectStyle>
+      </a:effectStyleLst>
+      <a:bgFillStyleLst>
+        <a:solidFill>
+          <a:schemeClr val="phClr"/>
+        </a:solidFill>
+        <a:solidFill>
+          <a:schemeClr val="phClr">
+            <a:tint val="95000"/>
+            <a:satMod val="170000"/>
+          </a:schemeClr>
+        </a:solidFill>
+        <a:gradFill rotWithShape="1">
+          <a:gsLst>
+            <a:gs pos="0">
+              <a:schemeClr val="phClr">
+                <a:tint val="93000"/>
+                <a:satMod val="150000"/>
+                <a:shade val="98000"/>
+                <a:lumMod val="102000"/>
+              </a:schemeClr>
+            </a:gs>
+            <a:gs pos="50000">
+              <a:schemeClr val="phClr">
+                <a:tint val="98000"/>
+                <a:satMod val="130000"/>
+                <a:shade val="90000"/>
+                <a:lumMod val="103000"/>
+              </a:schemeClr>
+            </a:gs>
+            <a:gs pos="100000">
+              <a:schemeClr val="phClr">
+                <a:shade val="63000"/>
+                <a:satMod val="120000"/>
+              </a:schemeClr>
+            </a:gs>
+          </a:gsLst>
+          <a:lin ang="5400000" scaled="0"/>
+        </a:gradFill>
+      </a:bgFillStyleLst>
+    </a:fmtScheme>
+  </a:themeElements>
+  <a:objectDefaults/>
+  <a:extraClrSchemeLst/>
+  <a:extLst>
+    <a:ext uri="{05A4C25C-085E-4340-85A3-A5531E510DB2}">
+      <thm15:themeFamily xmlns:thm15="http://schemas.microsoft.com/office/thememl/2012/main" name="Office Theme" id="{62F939B6-93AF-4DB8-9C6B-D6C7DFDC589F}" vid="{4A3C46E8-61CC-4603-A589-7422A47A8E4A}"/>
+    </a:ext>
+  </a:extLst>
+</a:theme>
 </file>
--- a/presentations/prezentacja.pptx
+++ b/presentations/prezentacja.pptx
@@ -205,7 +205,7 @@
           <a:p>
             <a:fld id="{94576BF7-2C4A-4F9E-8B54-74258E5ACF7D}" type="datetimeFigureOut">
               <a:rPr lang="pl-PL" smtClean="0"/>
-              <a:t>2018-03-23</a:t>
+              <a:t>2018-03-24</a:t>
             </a:fld>
             <a:endParaRPr lang="pl-PL"/>
           </a:p>
@@ -2780,7 +2780,7 @@
           <a:p>
             <a:fld id="{D237946D-03F5-4F72-8A60-4B7DC03F5C3B}" type="datetimeFigureOut">
               <a:rPr lang="pl-PL" smtClean="0"/>
-              <a:t>2018-03-23</a:t>
+              <a:t>2018-03-24</a:t>
             </a:fld>
             <a:endParaRPr lang="pl-PL"/>
           </a:p>
@@ -3055,7 +3055,7 @@
           <a:p>
             <a:fld id="{D237946D-03F5-4F72-8A60-4B7DC03F5C3B}" type="datetimeFigureOut">
               <a:rPr lang="pl-PL" smtClean="0"/>
-              <a:t>2018-03-23</a:t>
+              <a:t>2018-03-24</a:t>
             </a:fld>
             <a:endParaRPr lang="pl-PL"/>
           </a:p>
@@ -3249,7 +3249,7 @@
           <a:p>
             <a:fld id="{D237946D-03F5-4F72-8A60-4B7DC03F5C3B}" type="datetimeFigureOut">
               <a:rPr lang="pl-PL" smtClean="0"/>
-              <a:t>2018-03-23</a:t>
+              <a:t>2018-03-24</a:t>
             </a:fld>
             <a:endParaRPr lang="pl-PL"/>
           </a:p>
@@ -3517,7 +3517,7 @@
           <a:p>
             <a:fld id="{D237946D-03F5-4F72-8A60-4B7DC03F5C3B}" type="datetimeFigureOut">
               <a:rPr lang="pl-PL" smtClean="0"/>
-              <a:t>2018-03-23</a:t>
+              <a:t>2018-03-24</a:t>
             </a:fld>
             <a:endParaRPr lang="pl-PL"/>
           </a:p>
@@ -3849,7 +3849,7 @@
           <a:p>
             <a:fld id="{D237946D-03F5-4F72-8A60-4B7DC03F5C3B}" type="datetimeFigureOut">
               <a:rPr lang="pl-PL" smtClean="0"/>
-              <a:t>2018-03-23</a:t>
+              <a:t>2018-03-24</a:t>
             </a:fld>
             <a:endParaRPr lang="pl-PL"/>
           </a:p>
@@ -4459,7 +4459,7 @@
           <a:p>
             <a:fld id="{D237946D-03F5-4F72-8A60-4B7DC03F5C3B}" type="datetimeFigureOut">
               <a:rPr lang="pl-PL" smtClean="0"/>
-              <a:t>2018-03-23</a:t>
+              <a:t>2018-03-24</a:t>
             </a:fld>
             <a:endParaRPr lang="pl-PL"/>
           </a:p>
@@ -5306,7 +5306,7 @@
           <a:p>
             <a:fld id="{D237946D-03F5-4F72-8A60-4B7DC03F5C3B}" type="datetimeFigureOut">
               <a:rPr lang="pl-PL" smtClean="0"/>
-              <a:t>2018-03-23</a:t>
+              <a:t>2018-03-24</a:t>
             </a:fld>
             <a:endParaRPr lang="pl-PL"/>
           </a:p>
@@ -5476,7 +5476,7 @@
           <a:p>
             <a:fld id="{D237946D-03F5-4F72-8A60-4B7DC03F5C3B}" type="datetimeFigureOut">
               <a:rPr lang="pl-PL" smtClean="0"/>
-              <a:t>2018-03-23</a:t>
+              <a:t>2018-03-24</a:t>
             </a:fld>
             <a:endParaRPr lang="pl-PL"/>
           </a:p>
@@ -5656,7 +5656,7 @@
           <a:p>
             <a:fld id="{D237946D-03F5-4F72-8A60-4B7DC03F5C3B}" type="datetimeFigureOut">
               <a:rPr lang="pl-PL" smtClean="0"/>
-              <a:t>2018-03-23</a:t>
+              <a:t>2018-03-24</a:t>
             </a:fld>
             <a:endParaRPr lang="pl-PL"/>
           </a:p>
@@ -5826,7 +5826,7 @@
           <a:p>
             <a:fld id="{D237946D-03F5-4F72-8A60-4B7DC03F5C3B}" type="datetimeFigureOut">
               <a:rPr lang="pl-PL" smtClean="0"/>
-              <a:t>2018-03-23</a:t>
+              <a:t>2018-03-24</a:t>
             </a:fld>
             <a:endParaRPr lang="pl-PL"/>
           </a:p>
@@ -6070,7 +6070,7 @@
           <a:p>
             <a:fld id="{D237946D-03F5-4F72-8A60-4B7DC03F5C3B}" type="datetimeFigureOut">
               <a:rPr lang="pl-PL" smtClean="0"/>
-              <a:t>2018-03-23</a:t>
+              <a:t>2018-03-24</a:t>
             </a:fld>
             <a:endParaRPr lang="pl-PL"/>
           </a:p>
@@ -6362,7 +6362,7 @@
           <a:p>
             <a:fld id="{D237946D-03F5-4F72-8A60-4B7DC03F5C3B}" type="datetimeFigureOut">
               <a:rPr lang="pl-PL" smtClean="0"/>
-              <a:t>2018-03-23</a:t>
+              <a:t>2018-03-24</a:t>
             </a:fld>
             <a:endParaRPr lang="pl-PL"/>
           </a:p>
@@ -6800,7 +6800,7 @@
           <a:p>
             <a:fld id="{D237946D-03F5-4F72-8A60-4B7DC03F5C3B}" type="datetimeFigureOut">
               <a:rPr lang="pl-PL" smtClean="0"/>
-              <a:t>2018-03-23</a:t>
+              <a:t>2018-03-24</a:t>
             </a:fld>
             <a:endParaRPr lang="pl-PL"/>
           </a:p>
@@ -6918,7 +6918,7 @@
           <a:p>
             <a:fld id="{D237946D-03F5-4F72-8A60-4B7DC03F5C3B}" type="datetimeFigureOut">
               <a:rPr lang="pl-PL" smtClean="0"/>
-              <a:t>2018-03-23</a:t>
+              <a:t>2018-03-24</a:t>
             </a:fld>
             <a:endParaRPr lang="pl-PL"/>
           </a:p>
@@ -7013,7 +7013,7 @@
           <a:p>
             <a:fld id="{D237946D-03F5-4F72-8A60-4B7DC03F5C3B}" type="datetimeFigureOut">
               <a:rPr lang="pl-PL" smtClean="0"/>
-              <a:t>2018-03-23</a:t>
+              <a:t>2018-03-24</a:t>
             </a:fld>
             <a:endParaRPr lang="pl-PL"/>
           </a:p>
@@ -7292,7 +7292,7 @@
           <a:p>
             <a:fld id="{D237946D-03F5-4F72-8A60-4B7DC03F5C3B}" type="datetimeFigureOut">
               <a:rPr lang="pl-PL" smtClean="0"/>
-              <a:t>2018-03-23</a:t>
+              <a:t>2018-03-24</a:t>
             </a:fld>
             <a:endParaRPr lang="pl-PL"/>
           </a:p>
@@ -7567,7 +7567,7 @@
           <a:p>
             <a:fld id="{D237946D-03F5-4F72-8A60-4B7DC03F5C3B}" type="datetimeFigureOut">
               <a:rPr lang="pl-PL" smtClean="0"/>
-              <a:t>2018-03-23</a:t>
+              <a:t>2018-03-24</a:t>
             </a:fld>
             <a:endParaRPr lang="pl-PL"/>
           </a:p>
@@ -7996,7 +7996,7 @@
           <a:p>
             <a:fld id="{D237946D-03F5-4F72-8A60-4B7DC03F5C3B}" type="datetimeFigureOut">
               <a:rPr lang="pl-PL" smtClean="0"/>
-              <a:t>2018-03-23</a:t>
+              <a:t>2018-03-24</a:t>
             </a:fld>
             <a:endParaRPr lang="pl-PL"/>
           </a:p>
@@ -8634,83 +8634,21 @@
             <p:ph type="title"/>
           </p:nvPr>
         </p:nvSpPr>
-        <p:spPr/>
+        <p:spPr>
+          <a:xfrm>
+            <a:off x="1393638" y="2507297"/>
+            <a:ext cx="9404723" cy="1400530"/>
+          </a:xfrm>
+        </p:spPr>
         <p:txBody>
           <a:bodyPr/>
           <a:lstStyle/>
           <a:p>
             <a:r>
-              <a:rPr lang="pl-PL" b="1" dirty="0"/>
+              <a:rPr lang="pl-PL" sz="11500" b="1" dirty="0"/>
               <a:t>Vue.js</a:t>
             </a:r>
-            <a:endParaRPr lang="pl-PL" dirty="0"/>
-          </a:p>
-        </p:txBody>
-      </p:sp>
-      <p:sp>
-        <p:nvSpPr>
-          <p:cNvPr id="4" name="pole tekstowe 3">
-            <a:extLst>
-              <a:ext uri="{FF2B5EF4-FFF2-40B4-BE49-F238E27FC236}">
-                <a16:creationId xmlns:a16="http://schemas.microsoft.com/office/drawing/2014/main" id="{ABC2F6B2-DEA2-40A6-B1E2-CF4A27FE0A07}"/>
-              </a:ext>
-            </a:extLst>
-          </p:cNvPr>
-          <p:cNvSpPr txBox="1"/>
-          <p:nvPr/>
-        </p:nvSpPr>
-        <p:spPr>
-          <a:xfrm>
-            <a:off x="1179443" y="1987825"/>
-            <a:ext cx="5711687" cy="2308324"/>
-          </a:xfrm>
-          <a:prstGeom prst="rect">
-            <a:avLst/>
-          </a:prstGeom>
-          <a:noFill/>
-        </p:spPr>
-        <p:txBody>
-          <a:bodyPr wrap="square" rtlCol="0">
-            <a:spAutoFit/>
-          </a:bodyPr>
-          <a:lstStyle/>
-          <a:p>
-            <a:r>
-              <a:rPr lang="pl-PL" dirty="0"/>
-              <a:t>Vue.js to progresywny </a:t>
-            </a:r>
-            <a:r>
-              <a:rPr lang="pl-PL" dirty="0" err="1"/>
-              <a:t>framework</a:t>
-            </a:r>
-            <a:r>
-              <a:rPr lang="pl-PL" dirty="0"/>
-              <a:t> JavaScript do budowania interfejsów użytkownika. Został stworzony przez </a:t>
-            </a:r>
-            <a:r>
-              <a:rPr lang="pl-PL" dirty="0" err="1"/>
-              <a:t>Evan’a</a:t>
-            </a:r>
-            <a:r>
-              <a:rPr lang="pl-PL" dirty="0"/>
-              <a:t> </a:t>
-            </a:r>
-            <a:r>
-              <a:rPr lang="pl-PL" dirty="0" err="1"/>
-              <a:t>You</a:t>
-            </a:r>
-            <a:r>
-              <a:rPr lang="pl-PL" dirty="0"/>
-              <a:t>. Pomysł stworzenia Vue był efektem pracy z </a:t>
-            </a:r>
-            <a:r>
-              <a:rPr lang="pl-PL" dirty="0" err="1"/>
-              <a:t>Angularem</a:t>
-            </a:r>
-            <a:r>
-              <a:rPr lang="pl-PL" dirty="0"/>
-              <a:t> w Google. Vue koncentruje się na ułatwieniu tworzenia interfejsu użytkownika poprzez komponenty, będące częściami strony,  które w prosty sposób można umieścić w aplikacji.</a:t>
-            </a:r>
+            <a:endParaRPr lang="pl-PL" sz="11500" dirty="0"/>
           </a:p>
         </p:txBody>
       </p:sp>
@@ -9242,104 +9180,21 @@
             <p:ph type="title"/>
           </p:nvPr>
         </p:nvSpPr>
-        <p:spPr/>
+        <p:spPr>
+          <a:xfrm>
+            <a:off x="2010273" y="2970140"/>
+            <a:ext cx="9404723" cy="1400530"/>
+          </a:xfrm>
+        </p:spPr>
         <p:txBody>
           <a:bodyPr/>
           <a:lstStyle/>
           <a:p>
             <a:r>
-              <a:rPr lang="pl-PL" dirty="0" err="1"/>
+              <a:rPr lang="pl-PL" sz="8800" dirty="0" err="1"/>
               <a:t>Laravel</a:t>
             </a:r>
-            <a:endParaRPr lang="pl-PL" dirty="0"/>
-          </a:p>
-        </p:txBody>
-      </p:sp>
-      <p:sp>
-        <p:nvSpPr>
-          <p:cNvPr id="3" name="Symbol zastępczy zawartości 2">
-            <a:extLst>
-              <a:ext uri="{FF2B5EF4-FFF2-40B4-BE49-F238E27FC236}">
-                <a16:creationId xmlns:a16="http://schemas.microsoft.com/office/drawing/2014/main" id="{1B64C57A-8C7D-4EAB-82CC-07CE9507D751}"/>
-              </a:ext>
-            </a:extLst>
-          </p:cNvPr>
-          <p:cNvSpPr>
-            <a:spLocks noGrp="1"/>
-          </p:cNvSpPr>
-          <p:nvPr>
-            <p:ph idx="1"/>
-          </p:nvPr>
-        </p:nvSpPr>
-        <p:spPr>
-          <a:xfrm>
-            <a:off x="1103313" y="2052918"/>
-            <a:ext cx="5284236" cy="4195481"/>
-          </a:xfrm>
-        </p:spPr>
-        <p:txBody>
-          <a:bodyPr/>
-          <a:lstStyle/>
-          <a:p>
-            <a:pPr marL="0" indent="0">
-              <a:buNone/>
-            </a:pPr>
-            <a:r>
-              <a:rPr lang="pl-PL" dirty="0" err="1"/>
-              <a:t>Laravel</a:t>
-            </a:r>
-            <a:r>
-              <a:rPr lang="pl-PL" dirty="0"/>
-              <a:t> jest darmowym </a:t>
-            </a:r>
-            <a:r>
-              <a:rPr lang="pl-PL" dirty="0" err="1"/>
-              <a:t>framworkiem</a:t>
-            </a:r>
-            <a:r>
-              <a:rPr lang="pl-PL" dirty="0"/>
-              <a:t> PHP stworzonym przez Taylora </a:t>
-            </a:r>
-            <a:r>
-              <a:rPr lang="pl-PL" dirty="0" err="1"/>
-              <a:t>Otwella</a:t>
-            </a:r>
-            <a:r>
-              <a:rPr lang="pl-PL" dirty="0"/>
-              <a:t> przeznaczonym do tworzenia aplikacji webowych zgodnych z wzorcem MVC (model </a:t>
-            </a:r>
-            <a:r>
-              <a:rPr lang="pl-PL" dirty="0" err="1"/>
-              <a:t>view</a:t>
-            </a:r>
-            <a:r>
-              <a:rPr lang="pl-PL" dirty="0"/>
-              <a:t> </a:t>
-            </a:r>
-            <a:r>
-              <a:rPr lang="pl-PL" dirty="0" err="1"/>
-              <a:t>controller</a:t>
-            </a:r>
-            <a:r>
-              <a:rPr lang="pl-PL" dirty="0"/>
-              <a:t>). </a:t>
-            </a:r>
-            <a:r>
-              <a:rPr lang="pl-PL" dirty="0" err="1"/>
-              <a:t>Laravel</a:t>
-            </a:r>
-            <a:r>
-              <a:rPr lang="pl-PL" dirty="0"/>
-              <a:t> jest uważany za jeden z najpopularniejszych </a:t>
-            </a:r>
-            <a:r>
-              <a:rPr lang="pl-PL" dirty="0" err="1"/>
-              <a:t>frameworków</a:t>
-            </a:r>
-            <a:r>
-              <a:rPr lang="pl-PL" dirty="0"/>
-              <a:t> PHP.</a:t>
-            </a:r>
+            <a:endParaRPr lang="pl-PL" sz="8800" dirty="0"/>
           </a:p>
         </p:txBody>
       </p:sp>
@@ -9372,7 +9227,7 @@
         </p:blipFill>
         <p:spPr bwMode="auto">
           <a:xfrm>
-            <a:off x="6927124" y="1853248"/>
+            <a:off x="6712635" y="1886918"/>
             <a:ext cx="4507019" cy="3084163"/>
           </a:xfrm>
           <a:prstGeom prst="rect">
@@ -9467,17 +9322,13 @@
         <p:spPr/>
         <p:txBody>
           <a:bodyPr>
-            <a:normAutofit fontScale="92500" lnSpcReduction="20000"/>
+            <a:normAutofit fontScale="85000" lnSpcReduction="20000"/>
           </a:bodyPr>
           <a:lstStyle/>
           <a:p>
             <a:r>
-              <a:rPr lang="pl-PL" dirty="0" err="1"/>
-              <a:t>Dokumntacja</a:t>
-            </a:r>
-            <a:r>
               <a:rPr lang="pl-PL" dirty="0"/>
-              <a:t>. </a:t>
+              <a:t>Dokumentacja. </a:t>
             </a:r>
           </a:p>
           <a:p>
@@ -9551,6 +9402,13 @@
               <a:rPr lang="pl-PL" dirty="0"/>
               <a:t>Rozbudowana strona błędów.</a:t>
             </a:r>
+          </a:p>
+          <a:p>
+            <a:r>
+              <a:rPr lang="pl-PL" dirty="0" err="1"/>
+              <a:t>Artisan</a:t>
+            </a:r>
+            <a:endParaRPr lang="pl-PL" dirty="0"/>
           </a:p>
           <a:p>
             <a:pPr marL="0" indent="0">
